--- a/Booker.pptx
+++ b/Booker.pptx
@@ -3408,10 +3408,9 @@
         <a:p>
           <a:pPr rtl="0"/>
           <a:r>
-            <a:rPr lang="ru-RU" smtClean="0"/>
+            <a:rPr lang="ru-RU"/>
             <a:t>Перед походом в книжный магазин удобнее заранее выбрать книгу и потом искать что-то конкретное. Мое приложение помогает выбрать книгу.</a:t>
           </a:r>
-          <a:endParaRPr lang="ru-RU"/>
         </a:p>
       </dgm:t>
     </dgm:pt>
@@ -3446,10 +3445,15 @@
         <a:p>
           <a:pPr rtl="0"/>
           <a:r>
-            <a:rPr lang="ru-RU" smtClean="0"/>
+            <a:rPr lang="ru-RU" dirty="0">
+              <a:solidFill>
+                <a:schemeClr val="tx2">
+                  <a:lumMod val="25000"/>
+                </a:schemeClr>
+              </a:solidFill>
+            </a:rPr>
             <a:t>Создание сайта для облегчения подбора книг.</a:t>
           </a:r>
-          <a:endParaRPr lang="ru-RU"/>
         </a:p>
       </dgm:t>
     </dgm:pt>
@@ -3607,11 +3611,11 @@
     </dgm:pt>
   </dgm:ptLst>
   <dgm:cxnLst>
-    <dgm:cxn modelId="{92B9C56C-49F0-48B2-BFC4-D07F83DE9C50}" type="presOf" srcId="{9DDF0820-A616-4F0E-B02E-E2747872D94F}" destId="{5C16EDE0-8559-4929-8312-E2E14CB2CDFE}" srcOrd="0" destOrd="0" presId="urn:microsoft.com/office/officeart/2009/3/layout/RandomtoResultProcess"/>
     <dgm:cxn modelId="{C2D23E0F-68CA-486C-ADFD-1A28D524B13B}" srcId="{9DDF0820-A616-4F0E-B02E-E2747872D94F}" destId="{93BDABA5-52D4-42F5-B6ED-D7748A057CD4}" srcOrd="0" destOrd="0" parTransId="{0C453EB8-5A77-495E-8325-1FCA5753F767}" sibTransId="{04A59D5E-9122-4238-8500-CC94E13049E7}"/>
-    <dgm:cxn modelId="{AD0557BB-7E83-42BE-B213-E4FB6997ED2C}" srcId="{9DDF0820-A616-4F0E-B02E-E2747872D94F}" destId="{1F3493DC-1AE4-40F5-BE13-ABC9E5357A04}" srcOrd="1" destOrd="0" parTransId="{8402126D-B442-49F4-B6FF-2A6AFEDC93D2}" sibTransId="{F2BFCB5A-4817-4136-BBC6-969E6E01462D}"/>
     <dgm:cxn modelId="{C5081636-A44B-4F5E-8FAE-2E5BD788D45F}" type="presOf" srcId="{1F3493DC-1AE4-40F5-BE13-ABC9E5357A04}" destId="{B7633EEB-F2AB-43AC-86F6-E5A35D8878BE}" srcOrd="0" destOrd="0" presId="urn:microsoft.com/office/officeart/2009/3/layout/RandomtoResultProcess"/>
     <dgm:cxn modelId="{6638CB5E-3F2F-468B-ABD8-288FF8329872}" type="presOf" srcId="{93BDABA5-52D4-42F5-B6ED-D7748A057CD4}" destId="{3357968A-BECC-4DD4-904A-8416885CE9E8}" srcOrd="0" destOrd="0" presId="urn:microsoft.com/office/officeart/2009/3/layout/RandomtoResultProcess"/>
+    <dgm:cxn modelId="{92B9C56C-49F0-48B2-BFC4-D07F83DE9C50}" type="presOf" srcId="{9DDF0820-A616-4F0E-B02E-E2747872D94F}" destId="{5C16EDE0-8559-4929-8312-E2E14CB2CDFE}" srcOrd="0" destOrd="0" presId="urn:microsoft.com/office/officeart/2009/3/layout/RandomtoResultProcess"/>
+    <dgm:cxn modelId="{AD0557BB-7E83-42BE-B213-E4FB6997ED2C}" srcId="{9DDF0820-A616-4F0E-B02E-E2747872D94F}" destId="{1F3493DC-1AE4-40F5-BE13-ABC9E5357A04}" srcOrd="1" destOrd="0" parTransId="{8402126D-B442-49F4-B6FF-2A6AFEDC93D2}" sibTransId="{F2BFCB5A-4817-4136-BBC6-969E6E01462D}"/>
     <dgm:cxn modelId="{C8EC561F-BF90-47EC-ABA8-BDBB96863E49}" type="presParOf" srcId="{5C16EDE0-8559-4929-8312-E2E14CB2CDFE}" destId="{0A4E23C1-0DFF-4D86-9A3E-D898B6E35839}" srcOrd="0" destOrd="0" presId="urn:microsoft.com/office/officeart/2009/3/layout/RandomtoResultProcess"/>
     <dgm:cxn modelId="{493F5782-ADCD-443E-AE1A-3E6ED9511047}" type="presParOf" srcId="{0A4E23C1-0DFF-4D86-9A3E-D898B6E35839}" destId="{3357968A-BECC-4DD4-904A-8416885CE9E8}" srcOrd="0" destOrd="0" presId="urn:microsoft.com/office/officeart/2009/3/layout/RandomtoResultProcess"/>
     <dgm:cxn modelId="{BB594A58-D760-4E80-919E-5F17E1175B33}" type="presParOf" srcId="{0A4E23C1-0DFF-4D86-9A3E-D898B6E35839}" destId="{02EA744D-1441-4086-BA6A-F6FE1FDAE180}" srcOrd="1" destOrd="0" presId="urn:microsoft.com/office/officeart/2009/3/layout/RandomtoResultProcess"/>
@@ -3675,10 +3679,15 @@
         <a:lstStyle/>
         <a:p>
           <a:r>
-            <a:rPr lang="ru-RU" dirty="0" smtClean="0"/>
+            <a:rPr lang="ru-RU" dirty="0">
+              <a:solidFill>
+                <a:schemeClr val="tx2">
+                  <a:lumMod val="25000"/>
+                </a:schemeClr>
+              </a:solidFill>
+            </a:rPr>
             <a:t>Дизайн я делала сама. Но так как я делала упор на логику сайта, дизайн у меня не такой хороший</a:t>
           </a:r>
-          <a:endParaRPr lang="ru-RU" dirty="0"/>
         </a:p>
       </dgm:t>
     </dgm:pt>
@@ -3712,10 +3721,15 @@
         <a:lstStyle/>
         <a:p>
           <a:r>
-            <a:rPr lang="ru-RU" dirty="0" smtClean="0"/>
+            <a:rPr lang="ru-RU" dirty="0">
+              <a:solidFill>
+                <a:schemeClr val="tx2">
+                  <a:lumMod val="25000"/>
+                </a:schemeClr>
+              </a:solidFill>
+            </a:rPr>
             <a:t>Есть возможность поиска по названию и сортировка по жанру</a:t>
           </a:r>
-          <a:endParaRPr lang="ru-RU" dirty="0"/>
         </a:p>
       </dgm:t>
     </dgm:pt>
@@ -3782,13 +3796,6 @@
         </dgm:presLayoutVars>
       </dgm:prSet>
       <dgm:spPr/>
-      <dgm:t>
-        <a:bodyPr/>
-        <a:lstStyle/>
-        <a:p>
-          <a:endParaRPr lang="ru-RU"/>
-        </a:p>
-      </dgm:t>
     </dgm:pt>
     <dgm:pt modelId="{26370B01-2EDB-49C7-86C7-E2ADF095F56D}" type="pres">
       <dgm:prSet presAssocID="{97AD183D-3CC9-482F-9BDA-51456B77C3B8}" presName="accent_1" presStyleCnt="0"/>
@@ -3805,13 +3812,6 @@
         </dgm:presLayoutVars>
       </dgm:prSet>
       <dgm:spPr/>
-      <dgm:t>
-        <a:bodyPr/>
-        <a:lstStyle/>
-        <a:p>
-          <a:endParaRPr lang="ru-RU"/>
-        </a:p>
-      </dgm:t>
     </dgm:pt>
     <dgm:pt modelId="{8B9C4A00-07DE-442B-A403-7B08E67ED998}" type="pres">
       <dgm:prSet presAssocID="{D6A2EEC1-3E24-4196-83EB-D1FF7E63705F}" presName="accent_2" presStyleCnt="0"/>
@@ -3823,11 +3823,11 @@
     </dgm:pt>
   </dgm:ptLst>
   <dgm:cxnLst>
+    <dgm:cxn modelId="{F2113C17-27B3-43E1-9C7D-D8E616CC8AF8}" type="presOf" srcId="{E540889E-1E4D-4159-B8AA-7DA9633F3C19}" destId="{2608F68F-CCE8-4128-8329-5CA00B3C7B9C}" srcOrd="0" destOrd="0" presId="urn:microsoft.com/office/officeart/2008/layout/VerticalCurvedList"/>
+    <dgm:cxn modelId="{DCAF7120-F159-4CF0-8ABA-344686C16AD5}" srcId="{604C5F3A-15DE-4EB9-8ACD-2183F867AAD7}" destId="{97AD183D-3CC9-482F-9BDA-51456B77C3B8}" srcOrd="0" destOrd="0" parTransId="{8748BF2A-8908-4BB4-9013-897B1C446FED}" sibTransId="{E540889E-1E4D-4159-B8AA-7DA9633F3C19}"/>
+    <dgm:cxn modelId="{3352C041-25CF-4137-A5D2-8FB8DABB53C0}" srcId="{604C5F3A-15DE-4EB9-8ACD-2183F867AAD7}" destId="{D6A2EEC1-3E24-4196-83EB-D1FF7E63705F}" srcOrd="1" destOrd="0" parTransId="{80E37825-14A6-4E79-AE8A-1D3D0247F788}" sibTransId="{1141DB39-1A9F-4CD7-876F-E22FFB1B031A}"/>
     <dgm:cxn modelId="{9BF4244B-8B44-47A3-911D-A2C6EAA2C6C4}" type="presOf" srcId="{604C5F3A-15DE-4EB9-8ACD-2183F867AAD7}" destId="{9AAB05E1-FEC5-4AC0-A786-1EE9138A7411}" srcOrd="0" destOrd="0" presId="urn:microsoft.com/office/officeart/2008/layout/VerticalCurvedList"/>
-    <dgm:cxn modelId="{F2113C17-27B3-43E1-9C7D-D8E616CC8AF8}" type="presOf" srcId="{E540889E-1E4D-4159-B8AA-7DA9633F3C19}" destId="{2608F68F-CCE8-4128-8329-5CA00B3C7B9C}" srcOrd="0" destOrd="0" presId="urn:microsoft.com/office/officeart/2008/layout/VerticalCurvedList"/>
     <dgm:cxn modelId="{8CFA6BAD-6D02-48B2-A338-21BB2B1972DD}" type="presOf" srcId="{97AD183D-3CC9-482F-9BDA-51456B77C3B8}" destId="{01064868-BFF3-4ACE-8992-7285CDF8301E}" srcOrd="0" destOrd="0" presId="urn:microsoft.com/office/officeart/2008/layout/VerticalCurvedList"/>
-    <dgm:cxn modelId="{3352C041-25CF-4137-A5D2-8FB8DABB53C0}" srcId="{604C5F3A-15DE-4EB9-8ACD-2183F867AAD7}" destId="{D6A2EEC1-3E24-4196-83EB-D1FF7E63705F}" srcOrd="1" destOrd="0" parTransId="{80E37825-14A6-4E79-AE8A-1D3D0247F788}" sibTransId="{1141DB39-1A9F-4CD7-876F-E22FFB1B031A}"/>
-    <dgm:cxn modelId="{DCAF7120-F159-4CF0-8ABA-344686C16AD5}" srcId="{604C5F3A-15DE-4EB9-8ACD-2183F867AAD7}" destId="{97AD183D-3CC9-482F-9BDA-51456B77C3B8}" srcOrd="0" destOrd="0" parTransId="{8748BF2A-8908-4BB4-9013-897B1C446FED}" sibTransId="{E540889E-1E4D-4159-B8AA-7DA9633F3C19}"/>
     <dgm:cxn modelId="{AE980CDE-3F86-4B56-9719-273DDCD41485}" type="presOf" srcId="{D6A2EEC1-3E24-4196-83EB-D1FF7E63705F}" destId="{DE4724A0-FCF0-4481-9C18-66DC32A67F0D}" srcOrd="0" destOrd="0" presId="urn:microsoft.com/office/officeart/2008/layout/VerticalCurvedList"/>
     <dgm:cxn modelId="{7B47CB2D-1670-4C12-BD45-0D2DDD90350B}" type="presParOf" srcId="{9AAB05E1-FEC5-4AC0-A786-1EE9138A7411}" destId="{BF646F77-995F-4F37-9EE8-E215B73F310A}" srcOrd="0" destOrd="0" presId="urn:microsoft.com/office/officeart/2008/layout/VerticalCurvedList"/>
     <dgm:cxn modelId="{A6A798EA-03FB-49F8-86E1-A990DB5E394F}" type="presParOf" srcId="{BF646F77-995F-4F37-9EE8-E215B73F310A}" destId="{25742275-581D-4588-971F-5803CF4A63E6}" srcOrd="0" destOrd="0" presId="urn:microsoft.com/office/officeart/2008/layout/VerticalCurvedList"/>
@@ -3875,10 +3875,15 @@
         <a:p>
           <a:pPr rtl="0"/>
           <a:r>
-            <a:rPr lang="ru-RU" smtClean="0"/>
+            <a:rPr lang="ru-RU" dirty="0">
+              <a:solidFill>
+                <a:schemeClr val="tx2">
+                  <a:lumMod val="25000"/>
+                </a:schemeClr>
+              </a:solidFill>
+            </a:rPr>
             <a:t>Из-за ограниченного количества времени я не успела сделать отдельные функции для зарегистрированных пользователей. Но я надеюсь сделать это в ходе дальнейшей работы</a:t>
           </a:r>
-          <a:endParaRPr lang="ru-RU"/>
         </a:p>
       </dgm:t>
     </dgm:pt>
@@ -3913,10 +3918,15 @@
         <a:p>
           <a:pPr rtl="0"/>
           <a:r>
-            <a:rPr lang="ru-RU" smtClean="0"/>
+            <a:rPr lang="ru-RU" dirty="0">
+              <a:solidFill>
+                <a:schemeClr val="tx2">
+                  <a:lumMod val="25000"/>
+                </a:schemeClr>
+              </a:solidFill>
+            </a:rPr>
             <a:t>Создание сообществ</a:t>
           </a:r>
-          <a:endParaRPr lang="ru-RU"/>
         </a:p>
       </dgm:t>
     </dgm:pt>
@@ -3951,10 +3961,15 @@
         <a:p>
           <a:pPr rtl="0"/>
           <a:r>
-            <a:rPr lang="ru-RU" smtClean="0"/>
+            <a:rPr lang="ru-RU" dirty="0">
+              <a:solidFill>
+                <a:schemeClr val="tx2">
+                  <a:lumMod val="25000"/>
+                </a:schemeClr>
+              </a:solidFill>
+            </a:rPr>
             <a:t>Больше возможностей для сортировки</a:t>
           </a:r>
-          <a:endParaRPr lang="ru-RU"/>
         </a:p>
       </dgm:t>
     </dgm:pt>
@@ -3989,10 +4004,15 @@
         <a:p>
           <a:pPr rtl="0"/>
           <a:r>
-            <a:rPr lang="ru-RU" smtClean="0"/>
+            <a:rPr lang="ru-RU" dirty="0">
+              <a:solidFill>
+                <a:schemeClr val="tx2">
+                  <a:lumMod val="25000"/>
+                </a:schemeClr>
+              </a:solidFill>
+            </a:rPr>
             <a:t>Сортировка книг уже на начальной странице.</a:t>
           </a:r>
-          <a:endParaRPr lang="ru-RU"/>
         </a:p>
       </dgm:t>
     </dgm:pt>
@@ -4069,16 +4089,16 @@
     </dgm:pt>
   </dgm:ptLst>
   <dgm:cxnLst>
+    <dgm:cxn modelId="{7E6F5C1E-AC4E-4B58-8B91-B9199E7D4C96}" type="presOf" srcId="{4DA1EBFA-55FD-4286-ADD9-D50178D15278}" destId="{D250327A-4593-46A3-935E-42DACDC8C542}" srcOrd="0" destOrd="0" presId="urn:microsoft.com/office/officeart/2005/8/layout/cycle3"/>
+    <dgm:cxn modelId="{8A6AF03A-7699-4674-83E8-E6AF0028BC92}" srcId="{E91BAE31-B90D-4EA4-B8AB-D8EE24458FC2}" destId="{4DA1EBFA-55FD-4286-ADD9-D50178D15278}" srcOrd="3" destOrd="0" parTransId="{32006288-74AD-482C-807F-F2B69D43CFE6}" sibTransId="{81D40EDD-C912-4CAA-BD2E-4CA8B208A5A7}"/>
+    <dgm:cxn modelId="{B274A642-023F-4848-A9B1-37EF540DBAC6}" type="presOf" srcId="{46B1E885-8001-4316-BBF6-C11574CF6056}" destId="{A3BBB450-E617-4427-9BB0-38F9993512C3}" srcOrd="0" destOrd="0" presId="urn:microsoft.com/office/officeart/2005/8/layout/cycle3"/>
+    <dgm:cxn modelId="{11B60048-860D-4628-A4F1-866AF638E094}" srcId="{E91BAE31-B90D-4EA4-B8AB-D8EE24458FC2}" destId="{8F6EA326-511D-46F8-9494-7D6854009CFE}" srcOrd="0" destOrd="0" parTransId="{BAFE3A35-713A-44FE-B6FA-6C98B857E2FA}" sibTransId="{84791E64-B70D-46FE-B5A3-724B2F49CBEE}"/>
+    <dgm:cxn modelId="{242B2C7B-9256-431D-8967-6908DF6F4FF1}" type="presOf" srcId="{E247D0D2-350E-4CAD-B46B-560D8F82E414}" destId="{588F6E64-57A5-4BC5-9C49-F12A70EE9E11}" srcOrd="0" destOrd="0" presId="urn:microsoft.com/office/officeart/2005/8/layout/cycle3"/>
     <dgm:cxn modelId="{E7970DA8-3823-4C96-BCA4-41AEC0B7053B}" type="presOf" srcId="{E91BAE31-B90D-4EA4-B8AB-D8EE24458FC2}" destId="{03515B76-3E16-430E-9DFA-4C2B1EBB3113}" srcOrd="0" destOrd="0" presId="urn:microsoft.com/office/officeart/2005/8/layout/cycle3"/>
-    <dgm:cxn modelId="{11B60048-860D-4628-A4F1-866AF638E094}" srcId="{E91BAE31-B90D-4EA4-B8AB-D8EE24458FC2}" destId="{8F6EA326-511D-46F8-9494-7D6854009CFE}" srcOrd="0" destOrd="0" parTransId="{BAFE3A35-713A-44FE-B6FA-6C98B857E2FA}" sibTransId="{84791E64-B70D-46FE-B5A3-724B2F49CBEE}"/>
-    <dgm:cxn modelId="{8A6AF03A-7699-4674-83E8-E6AF0028BC92}" srcId="{E91BAE31-B90D-4EA4-B8AB-D8EE24458FC2}" destId="{4DA1EBFA-55FD-4286-ADD9-D50178D15278}" srcOrd="3" destOrd="0" parTransId="{32006288-74AD-482C-807F-F2B69D43CFE6}" sibTransId="{81D40EDD-C912-4CAA-BD2E-4CA8B208A5A7}"/>
+    <dgm:cxn modelId="{C96825C8-1769-4A57-8758-703384FED0F3}" type="presOf" srcId="{8F6EA326-511D-46F8-9494-7D6854009CFE}" destId="{AF4CED41-3F6E-4958-97A2-191C3BE93721}" srcOrd="0" destOrd="0" presId="urn:microsoft.com/office/officeart/2005/8/layout/cycle3"/>
+    <dgm:cxn modelId="{7BBA99CA-8293-4667-A8D2-227A4C4434BA}" srcId="{E91BAE31-B90D-4EA4-B8AB-D8EE24458FC2}" destId="{46B1E885-8001-4316-BBF6-C11574CF6056}" srcOrd="2" destOrd="0" parTransId="{74D74478-05A4-4F5B-9259-49B6547D4C3B}" sibTransId="{48420B14-DABD-4F51-80E3-6E5DCDAD6583}"/>
     <dgm:cxn modelId="{B45EE4DA-B103-4C44-B912-A703EDEEEB98}" srcId="{E91BAE31-B90D-4EA4-B8AB-D8EE24458FC2}" destId="{E247D0D2-350E-4CAD-B46B-560D8F82E414}" srcOrd="1" destOrd="0" parTransId="{76FF8301-332D-40CA-A63E-ED0EB518A15B}" sibTransId="{46956E37-F2A8-42D6-8BFF-D8B673532D7E}"/>
-    <dgm:cxn modelId="{B274A642-023F-4848-A9B1-37EF540DBAC6}" type="presOf" srcId="{46B1E885-8001-4316-BBF6-C11574CF6056}" destId="{A3BBB450-E617-4427-9BB0-38F9993512C3}" srcOrd="0" destOrd="0" presId="urn:microsoft.com/office/officeart/2005/8/layout/cycle3"/>
-    <dgm:cxn modelId="{242B2C7B-9256-431D-8967-6908DF6F4FF1}" type="presOf" srcId="{E247D0D2-350E-4CAD-B46B-560D8F82E414}" destId="{588F6E64-57A5-4BC5-9C49-F12A70EE9E11}" srcOrd="0" destOrd="0" presId="urn:microsoft.com/office/officeart/2005/8/layout/cycle3"/>
     <dgm:cxn modelId="{BB7031F6-37EE-47DF-A9C8-3F1881EFBFC7}" type="presOf" srcId="{84791E64-B70D-46FE-B5A3-724B2F49CBEE}" destId="{F359A2EA-C2B5-4CDA-9C11-7FB2E9FA520F}" srcOrd="0" destOrd="0" presId="urn:microsoft.com/office/officeart/2005/8/layout/cycle3"/>
-    <dgm:cxn modelId="{7BBA99CA-8293-4667-A8D2-227A4C4434BA}" srcId="{E91BAE31-B90D-4EA4-B8AB-D8EE24458FC2}" destId="{46B1E885-8001-4316-BBF6-C11574CF6056}" srcOrd="2" destOrd="0" parTransId="{74D74478-05A4-4F5B-9259-49B6547D4C3B}" sibTransId="{48420B14-DABD-4F51-80E3-6E5DCDAD6583}"/>
-    <dgm:cxn modelId="{7E6F5C1E-AC4E-4B58-8B91-B9199E7D4C96}" type="presOf" srcId="{4DA1EBFA-55FD-4286-ADD9-D50178D15278}" destId="{D250327A-4593-46A3-935E-42DACDC8C542}" srcOrd="0" destOrd="0" presId="urn:microsoft.com/office/officeart/2005/8/layout/cycle3"/>
-    <dgm:cxn modelId="{C96825C8-1769-4A57-8758-703384FED0F3}" type="presOf" srcId="{8F6EA326-511D-46F8-9494-7D6854009CFE}" destId="{AF4CED41-3F6E-4958-97A2-191C3BE93721}" srcOrd="0" destOrd="0" presId="urn:microsoft.com/office/officeart/2005/8/layout/cycle3"/>
     <dgm:cxn modelId="{94F03525-CDD3-4DE3-B148-8581E0EB1F38}" type="presParOf" srcId="{03515B76-3E16-430E-9DFA-4C2B1EBB3113}" destId="{7AFD975E-F37C-449E-ADDA-7DC13936D4AB}" srcOrd="0" destOrd="0" presId="urn:microsoft.com/office/officeart/2005/8/layout/cycle3"/>
     <dgm:cxn modelId="{240F967E-1F3E-4BBE-BF01-49B1FF2631B3}" type="presParOf" srcId="{7AFD975E-F37C-449E-ADDA-7DC13936D4AB}" destId="{AF4CED41-3F6E-4958-97A2-191C3BE93721}" srcOrd="0" destOrd="0" presId="urn:microsoft.com/office/officeart/2005/8/layout/cycle3"/>
     <dgm:cxn modelId="{CAF81754-E387-4EE5-86A6-626713387B7C}" type="presParOf" srcId="{7AFD975E-F37C-449E-ADDA-7DC13936D4AB}" destId="{F359A2EA-C2B5-4CDA-9C11-7FB2E9FA520F}" srcOrd="1" destOrd="0" presId="urn:microsoft.com/office/officeart/2005/8/layout/cycle3"/>
@@ -4126,18 +4146,16 @@
         <a:lstStyle/>
         <a:p>
           <a:r>
-            <a:rPr lang="ru-RU" smtClean="0">
+            <a:rPr lang="ru-RU" dirty="0">
+              <a:solidFill>
+                <a:srgbClr val="92D050"/>
+              </a:solidFill>
               <a:latin typeface="Trebuchet MS" panose="020B0603020202020204"/>
               <a:ea typeface="+mn-ea"/>
               <a:cs typeface="+mn-cs"/>
             </a:rPr>
             <a:t>Начальная страница</a:t>
           </a:r>
-          <a:endParaRPr lang="ru-RU" dirty="0">
-            <a:latin typeface="Trebuchet MS" panose="020B0603020202020204"/>
-            <a:ea typeface="+mn-ea"/>
-            <a:cs typeface="+mn-cs"/>
-          </a:endParaRPr>
         </a:p>
       </dgm:t>
     </dgm:pt>
@@ -4209,13 +4227,6 @@
         </dgm:presLayoutVars>
       </dgm:prSet>
       <dgm:spPr/>
-      <dgm:t>
-        <a:bodyPr/>
-        <a:lstStyle/>
-        <a:p>
-          <a:endParaRPr lang="ru-RU"/>
-        </a:p>
-      </dgm:t>
     </dgm:pt>
     <dgm:pt modelId="{F139204F-1F93-4D91-A493-F1F51D376476}" type="pres">
       <dgm:prSet presAssocID="{23B885F5-E3EA-4D4A-A49D-D297A3B04185}" presName="tlFrame" presStyleLbl="node1" presStyleIdx="0" presStyleCnt="4"/>
@@ -4279,9 +4290,9 @@
     </dgm:pt>
   </dgm:ptLst>
   <dgm:cxnLst>
+    <dgm:cxn modelId="{FCFB8824-3924-4FC4-88DD-2A8E74DBC3E5}" type="presOf" srcId="{23B885F5-E3EA-4D4A-A49D-D297A3B04185}" destId="{9091B905-D4C5-42AA-AE9B-61AA92A62907}" srcOrd="0" destOrd="0" presId="urn:microsoft.com/office/officeart/2009/3/layout/FramedTextPicture"/>
     <dgm:cxn modelId="{D52EC3DA-349A-4F5A-8FB0-FDAE5A1C4104}" srcId="{ED26B741-5643-4BF6-8E06-91FA329EB132}" destId="{23B885F5-E3EA-4D4A-A49D-D297A3B04185}" srcOrd="0" destOrd="0" parTransId="{7518AC72-C0EE-41BB-9D44-CD48D222B884}" sibTransId="{6D229EE2-3210-4D68-837E-E841F726FBBF}"/>
     <dgm:cxn modelId="{E3A878E4-9AE9-4B4C-8FF6-4FC2DAFB0C65}" type="presOf" srcId="{ED26B741-5643-4BF6-8E06-91FA329EB132}" destId="{74F71CFC-8E57-4317-A8B4-1C10FCC58F1A}" srcOrd="0" destOrd="0" presId="urn:microsoft.com/office/officeart/2009/3/layout/FramedTextPicture"/>
-    <dgm:cxn modelId="{FCFB8824-3924-4FC4-88DD-2A8E74DBC3E5}" type="presOf" srcId="{23B885F5-E3EA-4D4A-A49D-D297A3B04185}" destId="{9091B905-D4C5-42AA-AE9B-61AA92A62907}" srcOrd="0" destOrd="0" presId="urn:microsoft.com/office/officeart/2009/3/layout/FramedTextPicture"/>
     <dgm:cxn modelId="{919996A3-BC9C-45BD-A59B-34EE822184C7}" type="presParOf" srcId="{74F71CFC-8E57-4317-A8B4-1C10FCC58F1A}" destId="{87D2648C-980F-48BA-AC8D-780D2ED21C91}" srcOrd="0" destOrd="0" presId="urn:microsoft.com/office/officeart/2009/3/layout/FramedTextPicture"/>
     <dgm:cxn modelId="{5732F1F7-D903-40E1-9D48-A042E91DDB15}" type="presParOf" srcId="{87D2648C-980F-48BA-AC8D-780D2ED21C91}" destId="{23777E88-5CA9-41DB-9BCE-9888C729E8BE}" srcOrd="0" destOrd="0" presId="urn:microsoft.com/office/officeart/2009/3/layout/FramedTextPicture"/>
     <dgm:cxn modelId="{72EEC0B3-592F-46B2-824C-EA7BB9B6CAC9}" type="presParOf" srcId="{87D2648C-980F-48BA-AC8D-780D2ED21C91}" destId="{9091B905-D4C5-42AA-AE9B-61AA92A62907}" srcOrd="1" destOrd="0" presId="urn:microsoft.com/office/officeart/2009/3/layout/FramedTextPicture"/>
@@ -4345,7 +4356,7 @@
         </a:bodyPr>
         <a:lstStyle/>
         <a:p>
-          <a:pPr lvl="0" algn="ctr" defTabSz="666750" rtl="0">
+          <a:pPr marL="0" lvl="0" indent="0" algn="ctr" defTabSz="666750" rtl="0">
             <a:lnSpc>
               <a:spcPct val="90000"/>
             </a:lnSpc>
@@ -4355,12 +4366,12 @@
             <a:spcAft>
               <a:spcPct val="35000"/>
             </a:spcAft>
+            <a:buNone/>
           </a:pPr>
           <a:r>
-            <a:rPr lang="ru-RU" sz="1500" kern="1200" smtClean="0"/>
+            <a:rPr lang="ru-RU" sz="1500" kern="1200"/>
             <a:t>Перед походом в книжный магазин удобнее заранее выбрать книгу и потом искать что-то конкретное. Мое приложение помогает выбрать книгу.</a:t>
           </a:r>
-          <a:endParaRPr lang="ru-RU" sz="1500" kern="1200"/>
         </a:p>
       </dsp:txBody>
       <dsp:txXfrm>
@@ -6057,7 +6068,7 @@
         </a:bodyPr>
         <a:lstStyle/>
         <a:p>
-          <a:pPr lvl="0" algn="ctr" defTabSz="666750" rtl="0">
+          <a:pPr marL="0" lvl="0" indent="0" algn="ctr" defTabSz="666750" rtl="0">
             <a:lnSpc>
               <a:spcPct val="90000"/>
             </a:lnSpc>
@@ -6067,12 +6078,18 @@
             <a:spcAft>
               <a:spcPct val="35000"/>
             </a:spcAft>
+            <a:buNone/>
           </a:pPr>
           <a:r>
-            <a:rPr lang="ru-RU" sz="1500" kern="1200" smtClean="0"/>
+            <a:rPr lang="ru-RU" sz="1500" kern="1200" dirty="0">
+              <a:solidFill>
+                <a:schemeClr val="tx2">
+                  <a:lumMod val="25000"/>
+                </a:schemeClr>
+              </a:solidFill>
+            </a:rPr>
             <a:t>Создание сайта для облегчения подбора книг.</a:t>
           </a:r>
-          <a:endParaRPr lang="ru-RU" sz="1500" kern="1200"/>
         </a:p>
       </dsp:txBody>
       <dsp:txXfrm>
@@ -6220,7 +6237,7 @@
         </a:bodyPr>
         <a:lstStyle/>
         <a:p>
-          <a:pPr lvl="0" algn="l" defTabSz="1155700">
+          <a:pPr marL="0" lvl="0" indent="0" algn="l" defTabSz="1155700">
             <a:lnSpc>
               <a:spcPct val="90000"/>
             </a:lnSpc>
@@ -6230,12 +6247,18 @@
             <a:spcAft>
               <a:spcPct val="35000"/>
             </a:spcAft>
+            <a:buNone/>
           </a:pPr>
           <a:r>
-            <a:rPr lang="ru-RU" sz="2600" kern="1200" dirty="0" smtClean="0"/>
+            <a:rPr lang="ru-RU" sz="2600" kern="1200" dirty="0">
+              <a:solidFill>
+                <a:schemeClr val="tx2">
+                  <a:lumMod val="25000"/>
+                </a:schemeClr>
+              </a:solidFill>
+            </a:rPr>
             <a:t>Дизайн я делала сама. Но так как я делала упор на логику сайта, дизайн у меня не такой хороший</a:t>
           </a:r>
-          <a:endParaRPr lang="ru-RU" sz="2600" kern="1200" dirty="0"/>
         </a:p>
       </dsp:txBody>
       <dsp:txXfrm>
@@ -6373,7 +6396,7 @@
         </a:bodyPr>
         <a:lstStyle/>
         <a:p>
-          <a:pPr lvl="0" algn="l" defTabSz="1155700">
+          <a:pPr marL="0" lvl="0" indent="0" algn="l" defTabSz="1155700">
             <a:lnSpc>
               <a:spcPct val="90000"/>
             </a:lnSpc>
@@ -6383,12 +6406,18 @@
             <a:spcAft>
               <a:spcPct val="35000"/>
             </a:spcAft>
+            <a:buNone/>
           </a:pPr>
           <a:r>
-            <a:rPr lang="ru-RU" sz="2600" kern="1200" dirty="0" smtClean="0"/>
+            <a:rPr lang="ru-RU" sz="2600" kern="1200" dirty="0">
+              <a:solidFill>
+                <a:schemeClr val="tx2">
+                  <a:lumMod val="25000"/>
+                </a:schemeClr>
+              </a:solidFill>
+            </a:rPr>
             <a:t>Есть возможность поиска по названию и сортировка по жанру</a:t>
           </a:r>
-          <a:endParaRPr lang="ru-RU" sz="2600" kern="1200" dirty="0"/>
         </a:p>
       </dsp:txBody>
       <dsp:txXfrm>
@@ -6558,7 +6587,7 @@
         </a:bodyPr>
         <a:lstStyle/>
         <a:p>
-          <a:pPr lvl="0" algn="ctr" defTabSz="533400" rtl="0">
+          <a:pPr marL="0" lvl="0" indent="0" algn="ctr" defTabSz="533400" rtl="0">
             <a:lnSpc>
               <a:spcPct val="90000"/>
             </a:lnSpc>
@@ -6568,12 +6597,18 @@
             <a:spcAft>
               <a:spcPct val="35000"/>
             </a:spcAft>
+            <a:buNone/>
           </a:pPr>
           <a:r>
-            <a:rPr lang="ru-RU" sz="1200" kern="1200" smtClean="0"/>
+            <a:rPr lang="ru-RU" sz="1200" kern="1200" dirty="0">
+              <a:solidFill>
+                <a:schemeClr val="tx2">
+                  <a:lumMod val="25000"/>
+                </a:schemeClr>
+              </a:solidFill>
+            </a:rPr>
             <a:t>Из-за ограниченного количества времени я не успела сделать отдельные функции для зарегистрированных пользователей. Но я надеюсь сделать это в ходе дальнейшей работы</a:t>
           </a:r>
-          <a:endParaRPr lang="ru-RU" sz="1200" kern="1200"/>
         </a:p>
       </dsp:txBody>
       <dsp:txXfrm>
@@ -6637,7 +6672,7 @@
         </a:bodyPr>
         <a:lstStyle/>
         <a:p>
-          <a:pPr lvl="0" algn="ctr" defTabSz="533400" rtl="0">
+          <a:pPr marL="0" lvl="0" indent="0" algn="ctr" defTabSz="533400" rtl="0">
             <a:lnSpc>
               <a:spcPct val="90000"/>
             </a:lnSpc>
@@ -6647,12 +6682,18 @@
             <a:spcAft>
               <a:spcPct val="35000"/>
             </a:spcAft>
+            <a:buNone/>
           </a:pPr>
           <a:r>
-            <a:rPr lang="ru-RU" sz="1200" kern="1200" smtClean="0"/>
+            <a:rPr lang="ru-RU" sz="1200" kern="1200" dirty="0">
+              <a:solidFill>
+                <a:schemeClr val="tx2">
+                  <a:lumMod val="25000"/>
+                </a:schemeClr>
+              </a:solidFill>
+            </a:rPr>
             <a:t>Создание сообществ</a:t>
           </a:r>
-          <a:endParaRPr lang="ru-RU" sz="1200" kern="1200"/>
         </a:p>
       </dsp:txBody>
       <dsp:txXfrm>
@@ -6716,7 +6757,7 @@
         </a:bodyPr>
         <a:lstStyle/>
         <a:p>
-          <a:pPr lvl="0" algn="ctr" defTabSz="533400" rtl="0">
+          <a:pPr marL="0" lvl="0" indent="0" algn="ctr" defTabSz="533400" rtl="0">
             <a:lnSpc>
               <a:spcPct val="90000"/>
             </a:lnSpc>
@@ -6726,12 +6767,18 @@
             <a:spcAft>
               <a:spcPct val="35000"/>
             </a:spcAft>
+            <a:buNone/>
           </a:pPr>
           <a:r>
-            <a:rPr lang="ru-RU" sz="1200" kern="1200" smtClean="0"/>
+            <a:rPr lang="ru-RU" sz="1200" kern="1200" dirty="0">
+              <a:solidFill>
+                <a:schemeClr val="tx2">
+                  <a:lumMod val="25000"/>
+                </a:schemeClr>
+              </a:solidFill>
+            </a:rPr>
             <a:t>Больше возможностей для сортировки</a:t>
           </a:r>
-          <a:endParaRPr lang="ru-RU" sz="1200" kern="1200"/>
         </a:p>
       </dsp:txBody>
       <dsp:txXfrm>
@@ -6795,7 +6842,7 @@
         </a:bodyPr>
         <a:lstStyle/>
         <a:p>
-          <a:pPr lvl="0" algn="ctr" defTabSz="533400" rtl="0">
+          <a:pPr marL="0" lvl="0" indent="0" algn="ctr" defTabSz="533400" rtl="0">
             <a:lnSpc>
               <a:spcPct val="90000"/>
             </a:lnSpc>
@@ -6805,12 +6852,18 @@
             <a:spcAft>
               <a:spcPct val="35000"/>
             </a:spcAft>
+            <a:buNone/>
           </a:pPr>
           <a:r>
-            <a:rPr lang="ru-RU" sz="1200" kern="1200" smtClean="0"/>
+            <a:rPr lang="ru-RU" sz="1200" kern="1200" dirty="0">
+              <a:solidFill>
+                <a:schemeClr val="tx2">
+                  <a:lumMod val="25000"/>
+                </a:schemeClr>
+              </a:solidFill>
+            </a:rPr>
             <a:t>Сортировка книг уже на начальной странице.</a:t>
           </a:r>
-          <a:endParaRPr lang="ru-RU" sz="1200" kern="1200"/>
         </a:p>
       </dsp:txBody>
       <dsp:txXfrm>
@@ -6913,7 +6966,7 @@
         </a:bodyPr>
         <a:lstStyle/>
         <a:p>
-          <a:pPr lvl="0" algn="ctr" defTabSz="1644650">
+          <a:pPr marL="0" lvl="0" indent="0" algn="ctr" defTabSz="1644650">
             <a:lnSpc>
               <a:spcPct val="90000"/>
             </a:lnSpc>
@@ -6923,20 +6976,19 @@
             <a:spcAft>
               <a:spcPct val="35000"/>
             </a:spcAft>
+            <a:buNone/>
           </a:pPr>
           <a:r>
-            <a:rPr lang="ru-RU" sz="3700" kern="1200" smtClean="0">
+            <a:rPr lang="ru-RU" sz="3700" kern="1200" dirty="0">
+              <a:solidFill>
+                <a:srgbClr val="92D050"/>
+              </a:solidFill>
               <a:latin typeface="Trebuchet MS" panose="020B0603020202020204"/>
               <a:ea typeface="+mn-ea"/>
               <a:cs typeface="+mn-cs"/>
             </a:rPr>
             <a:t>Начальная страница</a:t>
           </a:r>
-          <a:endParaRPr lang="ru-RU" sz="3700" kern="1200" dirty="0">
-            <a:latin typeface="Trebuchet MS" panose="020B0603020202020204"/>
-            <a:ea typeface="+mn-ea"/>
-            <a:cs typeface="+mn-cs"/>
-          </a:endParaRPr>
         </a:p>
       </dsp:txBody>
       <dsp:txXfrm>
@@ -13958,7 +14010,7 @@
             <a:fld id="{6947F12A-A84C-4A14-B00A-35CCCDCBE045}" type="datetime1">
               <a:rPr lang="ru-RU" smtClean="0"/>
               <a:pPr algn="r" rtl="0"/>
-              <a:t>28.03.2019</a:t>
+              <a:t>29.03.2019</a:t>
             </a:fld>
             <a:endParaRPr lang="ru-RU" dirty="0"/>
           </a:p>
@@ -14128,7 +14180,7 @@
             <a:fld id="{3089557B-9822-496C-AFB1-92504668F6D8}" type="datetime1">
               <a:rPr lang="ru-RU" smtClean="0"/>
               <a:pPr/>
-              <a:t>28.03.2019</a:t>
+              <a:t>29.03.2019</a:t>
             </a:fld>
             <a:endParaRPr lang="ru-RU" dirty="0"/>
           </a:p>
@@ -14193,38 +14245,37 @@
           <a:p>
             <a:pPr lvl="0" rtl="0"/>
             <a:r>
-              <a:rPr lang="ru-RU" dirty="0" smtClean="0"/>
+              <a:rPr lang="ru-RU" dirty="0"/>
               <a:t>Образец текста</a:t>
             </a:r>
           </a:p>
           <a:p>
             <a:pPr lvl="1" rtl="0"/>
             <a:r>
-              <a:rPr lang="ru-RU" dirty="0" smtClean="0"/>
+              <a:rPr lang="ru-RU" dirty="0"/>
               <a:t>Второй уровень</a:t>
             </a:r>
           </a:p>
           <a:p>
             <a:pPr lvl="2" rtl="0"/>
             <a:r>
-              <a:rPr lang="ru-RU" dirty="0" smtClean="0"/>
+              <a:rPr lang="ru-RU" dirty="0"/>
               <a:t>Третий уровень</a:t>
             </a:r>
           </a:p>
           <a:p>
             <a:pPr lvl="3" rtl="0"/>
             <a:r>
-              <a:rPr lang="ru-RU" dirty="0" smtClean="0"/>
+              <a:rPr lang="ru-RU" dirty="0"/>
               <a:t>Четвертый уровень</a:t>
             </a:r>
           </a:p>
           <a:p>
             <a:pPr lvl="4" rtl="0"/>
             <a:r>
-              <a:rPr lang="ru-RU" dirty="0" smtClean="0"/>
+              <a:rPr lang="ru-RU" dirty="0"/>
               <a:t>Пятый уровень</a:t>
             </a:r>
-            <a:endParaRPr lang="ru-RU" dirty="0"/>
           </a:p>
         </p:txBody>
       </p:sp>
@@ -14561,7 +14612,7 @@
           <a:p>
             <a:pPr rtl="0"/>
             <a:r>
-              <a:rPr lang="ru-RU" smtClean="0"/>
+              <a:rPr lang="ru-RU"/>
               <a:t>Образец заголовка</a:t>
             </a:r>
             <a:endParaRPr lang="ru-RU" dirty="0"/>
@@ -14637,7 +14688,7 @@
           <a:p>
             <a:pPr rtl="0"/>
             <a:r>
-              <a:rPr lang="ru-RU" smtClean="0"/>
+              <a:rPr lang="ru-RU"/>
               <a:t>Образец подзаголовка</a:t>
             </a:r>
             <a:endParaRPr lang="ru-RU" dirty="0"/>
@@ -14654,21 +14705,6 @@
   <p:clrMapOvr>
     <a:masterClrMapping/>
   </p:clrMapOvr>
-  <mc:AlternateContent xmlns:mc="http://schemas.openxmlformats.org/markup-compatibility/2006" xmlns:p14="http://schemas.microsoft.com/office/powerpoint/2010/main">
-    <mc:Choice Requires="p14">
-      <p:transition spd="slow" p14:dur="2000"/>
-    </mc:Choice>
-    <mc:Fallback xmlns="">
-      <p:transition spd="slow"/>
-    </mc:Fallback>
-  </mc:AlternateContent>
-  <p:timing>
-    <p:tnLst>
-      <p:par>
-        <p:cTn id="1" dur="indefinite" restart="never" nodeType="tmRoot"/>
-      </p:par>
-    </p:tnLst>
-  </p:timing>
 </p:sldLayout>
 </file>
 
@@ -14710,7 +14746,7 @@
           <a:p>
             <a:pPr rtl="0"/>
             <a:r>
-              <a:rPr lang="ru-RU" smtClean="0"/>
+              <a:rPr lang="ru-RU"/>
               <a:t>Образец заголовка</a:t>
             </a:r>
             <a:endParaRPr lang="ru-RU" dirty="0"/>
@@ -14734,35 +14770,35 @@
           <a:p>
             <a:pPr lvl="0" rtl="0"/>
             <a:r>
-              <a:rPr lang="ru-RU" smtClean="0"/>
+              <a:rPr lang="ru-RU"/>
               <a:t>Образец текста</a:t>
             </a:r>
           </a:p>
           <a:p>
             <a:pPr lvl="1" rtl="0"/>
             <a:r>
-              <a:rPr lang="ru-RU" smtClean="0"/>
+              <a:rPr lang="ru-RU"/>
               <a:t>Второй уровень</a:t>
             </a:r>
           </a:p>
           <a:p>
             <a:pPr lvl="2" rtl="0"/>
             <a:r>
-              <a:rPr lang="ru-RU" smtClean="0"/>
+              <a:rPr lang="ru-RU"/>
               <a:t>Третий уровень</a:t>
             </a:r>
           </a:p>
           <a:p>
             <a:pPr lvl="3" rtl="0"/>
             <a:r>
-              <a:rPr lang="ru-RU" smtClean="0"/>
+              <a:rPr lang="ru-RU"/>
               <a:t>Четвертый уровень</a:t>
             </a:r>
           </a:p>
           <a:p>
             <a:pPr lvl="4" rtl="0"/>
             <a:r>
-              <a:rPr lang="ru-RU" smtClean="0"/>
+              <a:rPr lang="ru-RU"/>
               <a:t>Пятый уровень</a:t>
             </a:r>
             <a:endParaRPr lang="ru-RU" dirty="0"/>
@@ -14791,7 +14827,7 @@
             <a:fld id="{2464C44B-2BBF-4BA1-A73D-D02BA9DD5A92}" type="datetime1">
               <a:rPr lang="ru-RU" smtClean="0"/>
               <a:pPr/>
-              <a:t>28.03.2019</a:t>
+              <a:t>29.03.2019</a:t>
             </a:fld>
             <a:endParaRPr lang="ru-RU" dirty="0"/>
           </a:p>
@@ -14851,21 +14887,6 @@
   <p:clrMapOvr>
     <a:masterClrMapping/>
   </p:clrMapOvr>
-  <mc:AlternateContent xmlns:mc="http://schemas.openxmlformats.org/markup-compatibility/2006" xmlns:p14="http://schemas.microsoft.com/office/powerpoint/2010/main">
-    <mc:Choice Requires="p14">
-      <p:transition spd="slow" p14:dur="2000"/>
-    </mc:Choice>
-    <mc:Fallback xmlns="">
-      <p:transition spd="slow"/>
-    </mc:Fallback>
-  </mc:AlternateContent>
-  <p:timing>
-    <p:tnLst>
-      <p:par>
-        <p:cTn id="1" dur="indefinite" restart="never" nodeType="tmRoot"/>
-      </p:par>
-    </p:tnLst>
-  </p:timing>
 </p:sldLayout>
 </file>
 
@@ -14912,7 +14933,7 @@
           <a:p>
             <a:pPr rtl="0"/>
             <a:r>
-              <a:rPr lang="ru-RU" smtClean="0"/>
+              <a:rPr lang="ru-RU"/>
               <a:t>Образец заголовка</a:t>
             </a:r>
             <a:endParaRPr lang="ru-RU" dirty="0"/>
@@ -14941,35 +14962,35 @@
           <a:p>
             <a:pPr lvl="0" rtl="0"/>
             <a:r>
-              <a:rPr lang="ru-RU" smtClean="0"/>
+              <a:rPr lang="ru-RU"/>
               <a:t>Образец текста</a:t>
             </a:r>
           </a:p>
           <a:p>
             <a:pPr lvl="1" rtl="0"/>
             <a:r>
-              <a:rPr lang="ru-RU" smtClean="0"/>
+              <a:rPr lang="ru-RU"/>
               <a:t>Второй уровень</a:t>
             </a:r>
           </a:p>
           <a:p>
             <a:pPr lvl="2" rtl="0"/>
             <a:r>
-              <a:rPr lang="ru-RU" smtClean="0"/>
+              <a:rPr lang="ru-RU"/>
               <a:t>Третий уровень</a:t>
             </a:r>
           </a:p>
           <a:p>
             <a:pPr lvl="3" rtl="0"/>
             <a:r>
-              <a:rPr lang="ru-RU" smtClean="0"/>
+              <a:rPr lang="ru-RU"/>
               <a:t>Четвертый уровень</a:t>
             </a:r>
           </a:p>
           <a:p>
             <a:pPr lvl="4" rtl="0"/>
             <a:r>
-              <a:rPr lang="ru-RU" smtClean="0"/>
+              <a:rPr lang="ru-RU"/>
               <a:t>Пятый уровень</a:t>
             </a:r>
             <a:endParaRPr lang="ru-RU" dirty="0"/>
@@ -14998,7 +15019,7 @@
             <a:fld id="{E6A3F516-A09D-4456-9F4A-D955148FE47B}" type="datetime1">
               <a:rPr lang="ru-RU" smtClean="0"/>
               <a:pPr/>
-              <a:t>28.03.2019</a:t>
+              <a:t>29.03.2019</a:t>
             </a:fld>
             <a:endParaRPr lang="ru-RU" dirty="0"/>
           </a:p>
@@ -15058,21 +15079,6 @@
   <p:clrMapOvr>
     <a:masterClrMapping/>
   </p:clrMapOvr>
-  <mc:AlternateContent xmlns:mc="http://schemas.openxmlformats.org/markup-compatibility/2006" xmlns:p14="http://schemas.microsoft.com/office/powerpoint/2010/main">
-    <mc:Choice Requires="p14">
-      <p:transition spd="slow" p14:dur="2000"/>
-    </mc:Choice>
-    <mc:Fallback xmlns="">
-      <p:transition spd="slow"/>
-    </mc:Fallback>
-  </mc:AlternateContent>
-  <p:timing>
-    <p:tnLst>
-      <p:par>
-        <p:cTn id="1" dur="indefinite" restart="never" nodeType="tmRoot"/>
-      </p:par>
-    </p:tnLst>
-  </p:timing>
 </p:sldLayout>
 </file>
 
@@ -15114,7 +15120,7 @@
           <a:p>
             <a:pPr rtl="0"/>
             <a:r>
-              <a:rPr lang="ru-RU" smtClean="0"/>
+              <a:rPr lang="ru-RU"/>
               <a:t>Образец заголовка</a:t>
             </a:r>
             <a:endParaRPr lang="ru-RU" dirty="0"/>
@@ -15142,35 +15148,35 @@
           <a:p>
             <a:pPr lvl="0" rtl="0"/>
             <a:r>
-              <a:rPr lang="ru-RU" smtClean="0"/>
+              <a:rPr lang="ru-RU"/>
               <a:t>Образец текста</a:t>
             </a:r>
           </a:p>
           <a:p>
             <a:pPr lvl="1" rtl="0"/>
             <a:r>
-              <a:rPr lang="ru-RU" smtClean="0"/>
+              <a:rPr lang="ru-RU"/>
               <a:t>Второй уровень</a:t>
             </a:r>
           </a:p>
           <a:p>
             <a:pPr lvl="2" rtl="0"/>
             <a:r>
-              <a:rPr lang="ru-RU" smtClean="0"/>
+              <a:rPr lang="ru-RU"/>
               <a:t>Третий уровень</a:t>
             </a:r>
           </a:p>
           <a:p>
             <a:pPr lvl="3" rtl="0"/>
             <a:r>
-              <a:rPr lang="ru-RU" smtClean="0"/>
+              <a:rPr lang="ru-RU"/>
               <a:t>Четвертый уровень</a:t>
             </a:r>
           </a:p>
           <a:p>
             <a:pPr lvl="4" rtl="0"/>
             <a:r>
-              <a:rPr lang="ru-RU" smtClean="0"/>
+              <a:rPr lang="ru-RU"/>
               <a:t>Пятый уровень</a:t>
             </a:r>
             <a:endParaRPr lang="ru-RU" dirty="0"/>
@@ -15199,7 +15205,7 @@
             <a:fld id="{136460D0-483D-41DF-921A-E915B182C4D8}" type="datetime1">
               <a:rPr lang="ru-RU" smtClean="0"/>
               <a:pPr/>
-              <a:t>28.03.2019</a:t>
+              <a:t>29.03.2019</a:t>
             </a:fld>
             <a:endParaRPr lang="ru-RU" dirty="0"/>
           </a:p>
@@ -15259,21 +15265,6 @@
   <p:clrMapOvr>
     <a:masterClrMapping/>
   </p:clrMapOvr>
-  <mc:AlternateContent xmlns:mc="http://schemas.openxmlformats.org/markup-compatibility/2006" xmlns:p14="http://schemas.microsoft.com/office/powerpoint/2010/main">
-    <mc:Choice Requires="p14">
-      <p:transition spd="slow" p14:dur="2000"/>
-    </mc:Choice>
-    <mc:Fallback xmlns="">
-      <p:transition spd="slow"/>
-    </mc:Fallback>
-  </mc:AlternateContent>
-  <p:timing>
-    <p:tnLst>
-      <p:par>
-        <p:cTn id="1" dur="indefinite" restart="never" nodeType="tmRoot"/>
-      </p:par>
-    </p:tnLst>
-  </p:timing>
 </p:sldLayout>
 </file>
 
@@ -15326,7 +15317,7 @@
           <a:p>
             <a:pPr rtl="0"/>
             <a:r>
-              <a:rPr lang="ru-RU" smtClean="0"/>
+              <a:rPr lang="ru-RU"/>
               <a:t>Образец заголовка</a:t>
             </a:r>
             <a:endParaRPr lang="ru-RU" dirty="0"/>
@@ -15402,7 +15393,7 @@
           <a:p>
             <a:pPr lvl="0" rtl="0"/>
             <a:r>
-              <a:rPr lang="ru-RU" smtClean="0"/>
+              <a:rPr lang="ru-RU"/>
               <a:t>Образец текста</a:t>
             </a:r>
           </a:p>
@@ -15418,21 +15409,6 @@
   <p:clrMapOvr>
     <a:masterClrMapping/>
   </p:clrMapOvr>
-  <mc:AlternateContent xmlns:mc="http://schemas.openxmlformats.org/markup-compatibility/2006" xmlns:p14="http://schemas.microsoft.com/office/powerpoint/2010/main">
-    <mc:Choice Requires="p14">
-      <p:transition spd="slow" p14:dur="2000"/>
-    </mc:Choice>
-    <mc:Fallback xmlns="">
-      <p:transition spd="slow"/>
-    </mc:Fallback>
-  </mc:AlternateContent>
-  <p:timing>
-    <p:tnLst>
-      <p:par>
-        <p:cTn id="1" dur="indefinite" restart="never" nodeType="tmRoot"/>
-      </p:par>
-    </p:tnLst>
-  </p:timing>
 </p:sldLayout>
 </file>
 
@@ -15474,7 +15450,7 @@
           <a:p>
             <a:pPr rtl="0"/>
             <a:r>
-              <a:rPr lang="ru-RU" smtClean="0"/>
+              <a:rPr lang="ru-RU"/>
               <a:t>Образец заголовка</a:t>
             </a:r>
             <a:endParaRPr lang="ru-RU" dirty="0"/>
@@ -15533,35 +15509,35 @@
           <a:p>
             <a:pPr lvl="0" rtl="0"/>
             <a:r>
-              <a:rPr lang="ru-RU" smtClean="0"/>
+              <a:rPr lang="ru-RU"/>
               <a:t>Образец текста</a:t>
             </a:r>
           </a:p>
           <a:p>
             <a:pPr lvl="1" rtl="0"/>
             <a:r>
-              <a:rPr lang="ru-RU" smtClean="0"/>
+              <a:rPr lang="ru-RU"/>
               <a:t>Второй уровень</a:t>
             </a:r>
           </a:p>
           <a:p>
             <a:pPr lvl="2" rtl="0"/>
             <a:r>
-              <a:rPr lang="ru-RU" smtClean="0"/>
+              <a:rPr lang="ru-RU"/>
               <a:t>Третий уровень</a:t>
             </a:r>
           </a:p>
           <a:p>
             <a:pPr lvl="3" rtl="0"/>
             <a:r>
-              <a:rPr lang="ru-RU" smtClean="0"/>
+              <a:rPr lang="ru-RU"/>
               <a:t>Четвертый уровень</a:t>
             </a:r>
           </a:p>
           <a:p>
             <a:pPr lvl="4" rtl="0"/>
             <a:r>
-              <a:rPr lang="ru-RU" smtClean="0"/>
+              <a:rPr lang="ru-RU"/>
               <a:t>Пятый уровень</a:t>
             </a:r>
             <a:endParaRPr lang="ru-RU" dirty="0"/>
@@ -15620,35 +15596,35 @@
           <a:p>
             <a:pPr lvl="0" rtl="0"/>
             <a:r>
-              <a:rPr lang="ru-RU" smtClean="0"/>
+              <a:rPr lang="ru-RU"/>
               <a:t>Образец текста</a:t>
             </a:r>
           </a:p>
           <a:p>
             <a:pPr lvl="1" rtl="0"/>
             <a:r>
-              <a:rPr lang="ru-RU" smtClean="0"/>
+              <a:rPr lang="ru-RU"/>
               <a:t>Второй уровень</a:t>
             </a:r>
           </a:p>
           <a:p>
             <a:pPr lvl="2" rtl="0"/>
             <a:r>
-              <a:rPr lang="ru-RU" smtClean="0"/>
+              <a:rPr lang="ru-RU"/>
               <a:t>Третий уровень</a:t>
             </a:r>
           </a:p>
           <a:p>
             <a:pPr lvl="3" rtl="0"/>
             <a:r>
-              <a:rPr lang="ru-RU" smtClean="0"/>
+              <a:rPr lang="ru-RU"/>
               <a:t>Четвертый уровень</a:t>
             </a:r>
           </a:p>
           <a:p>
             <a:pPr lvl="4" rtl="0"/>
             <a:r>
-              <a:rPr lang="ru-RU" smtClean="0"/>
+              <a:rPr lang="ru-RU"/>
               <a:t>Пятый уровень</a:t>
             </a:r>
             <a:endParaRPr lang="ru-RU" dirty="0"/>
@@ -15677,7 +15653,7 @@
             <a:fld id="{FD7CFA94-EFCC-47FC-B7DD-4E24B24733B5}" type="datetime1">
               <a:rPr lang="ru-RU" smtClean="0"/>
               <a:pPr/>
-              <a:t>28.03.2019</a:t>
+              <a:t>29.03.2019</a:t>
             </a:fld>
             <a:endParaRPr lang="ru-RU" dirty="0"/>
           </a:p>
@@ -15737,21 +15713,6 @@
   <p:clrMapOvr>
     <a:masterClrMapping/>
   </p:clrMapOvr>
-  <mc:AlternateContent xmlns:mc="http://schemas.openxmlformats.org/markup-compatibility/2006" xmlns:p14="http://schemas.microsoft.com/office/powerpoint/2010/main">
-    <mc:Choice Requires="p14">
-      <p:transition spd="slow" p14:dur="2000"/>
-    </mc:Choice>
-    <mc:Fallback xmlns="">
-      <p:transition spd="slow"/>
-    </mc:Fallback>
-  </mc:AlternateContent>
-  <p:timing>
-    <p:tnLst>
-      <p:par>
-        <p:cTn id="1" dur="indefinite" restart="never" nodeType="tmRoot"/>
-      </p:par>
-    </p:tnLst>
-  </p:timing>
 </p:sldLayout>
 </file>
 
@@ -15789,7 +15750,7 @@
           <a:p>
             <a:pPr rtl="0"/>
             <a:r>
-              <a:rPr lang="ru-RU" smtClean="0"/>
+              <a:rPr lang="ru-RU"/>
               <a:t>Образец заголовка</a:t>
             </a:r>
             <a:endParaRPr lang="ru-RU" dirty="0"/>
@@ -15864,7 +15825,7 @@
           <a:p>
             <a:pPr lvl="0" rtl="0"/>
             <a:r>
-              <a:rPr lang="ru-RU" smtClean="0"/>
+              <a:rPr lang="ru-RU"/>
               <a:t>Образец текста</a:t>
             </a:r>
           </a:p>
@@ -15922,35 +15883,35 @@
           <a:p>
             <a:pPr lvl="0" rtl="0"/>
             <a:r>
-              <a:rPr lang="ru-RU" smtClean="0"/>
+              <a:rPr lang="ru-RU"/>
               <a:t>Образец текста</a:t>
             </a:r>
           </a:p>
           <a:p>
             <a:pPr lvl="1" rtl="0"/>
             <a:r>
-              <a:rPr lang="ru-RU" smtClean="0"/>
+              <a:rPr lang="ru-RU"/>
               <a:t>Второй уровень</a:t>
             </a:r>
           </a:p>
           <a:p>
             <a:pPr lvl="2" rtl="0"/>
             <a:r>
-              <a:rPr lang="ru-RU" smtClean="0"/>
+              <a:rPr lang="ru-RU"/>
               <a:t>Третий уровень</a:t>
             </a:r>
           </a:p>
           <a:p>
             <a:pPr lvl="3" rtl="0"/>
             <a:r>
-              <a:rPr lang="ru-RU" smtClean="0"/>
+              <a:rPr lang="ru-RU"/>
               <a:t>Четвертый уровень</a:t>
             </a:r>
           </a:p>
           <a:p>
             <a:pPr lvl="4" rtl="0"/>
             <a:r>
-              <a:rPr lang="ru-RU" smtClean="0"/>
+              <a:rPr lang="ru-RU"/>
               <a:t>Пятый уровень</a:t>
             </a:r>
             <a:endParaRPr lang="ru-RU" dirty="0"/>
@@ -16025,7 +15986,7 @@
           <a:p>
             <a:pPr lvl="0" rtl="0"/>
             <a:r>
-              <a:rPr lang="ru-RU" smtClean="0"/>
+              <a:rPr lang="ru-RU"/>
               <a:t>Образец текста</a:t>
             </a:r>
           </a:p>
@@ -16083,35 +16044,35 @@
           <a:p>
             <a:pPr lvl="0" rtl="0"/>
             <a:r>
-              <a:rPr lang="ru-RU" smtClean="0"/>
+              <a:rPr lang="ru-RU"/>
               <a:t>Образец текста</a:t>
             </a:r>
           </a:p>
           <a:p>
             <a:pPr lvl="1" rtl="0"/>
             <a:r>
-              <a:rPr lang="ru-RU" smtClean="0"/>
+              <a:rPr lang="ru-RU"/>
               <a:t>Второй уровень</a:t>
             </a:r>
           </a:p>
           <a:p>
             <a:pPr lvl="2" rtl="0"/>
             <a:r>
-              <a:rPr lang="ru-RU" smtClean="0"/>
+              <a:rPr lang="ru-RU"/>
               <a:t>Третий уровень</a:t>
             </a:r>
           </a:p>
           <a:p>
             <a:pPr lvl="3" rtl="0"/>
             <a:r>
-              <a:rPr lang="ru-RU" smtClean="0"/>
+              <a:rPr lang="ru-RU"/>
               <a:t>Четвертый уровень</a:t>
             </a:r>
           </a:p>
           <a:p>
             <a:pPr lvl="4" rtl="0"/>
             <a:r>
-              <a:rPr lang="ru-RU" smtClean="0"/>
+              <a:rPr lang="ru-RU"/>
               <a:t>Пятый уровень</a:t>
             </a:r>
             <a:endParaRPr lang="ru-RU" dirty="0"/>
@@ -16140,7 +16101,7 @@
             <a:fld id="{481638CB-5695-4AA9-8097-67D2CBFE7CE7}" type="datetime1">
               <a:rPr lang="ru-RU" smtClean="0"/>
               <a:pPr/>
-              <a:t>28.03.2019</a:t>
+              <a:t>29.03.2019</a:t>
             </a:fld>
             <a:endParaRPr lang="ru-RU" dirty="0"/>
           </a:p>
@@ -16200,21 +16161,6 @@
   <p:clrMapOvr>
     <a:masterClrMapping/>
   </p:clrMapOvr>
-  <mc:AlternateContent xmlns:mc="http://schemas.openxmlformats.org/markup-compatibility/2006" xmlns:p14="http://schemas.microsoft.com/office/powerpoint/2010/main">
-    <mc:Choice Requires="p14">
-      <p:transition spd="slow" p14:dur="2000"/>
-    </mc:Choice>
-    <mc:Fallback xmlns="">
-      <p:transition spd="slow"/>
-    </mc:Fallback>
-  </mc:AlternateContent>
-  <p:timing>
-    <p:tnLst>
-      <p:par>
-        <p:cTn id="1" dur="indefinite" restart="never" nodeType="tmRoot"/>
-      </p:par>
-    </p:tnLst>
-  </p:timing>
 </p:sldLayout>
 </file>
 
@@ -16256,7 +16202,7 @@
           <a:p>
             <a:pPr rtl="0"/>
             <a:r>
-              <a:rPr lang="ru-RU" smtClean="0"/>
+              <a:rPr lang="ru-RU"/>
               <a:t>Образец заголовка</a:t>
             </a:r>
             <a:endParaRPr lang="ru-RU" dirty="0"/>
@@ -16285,7 +16231,7 @@
             <a:fld id="{FA80E48A-252F-48D1-8AEC-7A986F5005E3}" type="datetime1">
               <a:rPr lang="ru-RU" smtClean="0"/>
               <a:pPr/>
-              <a:t>28.03.2019</a:t>
+              <a:t>29.03.2019</a:t>
             </a:fld>
             <a:endParaRPr lang="ru-RU" dirty="0"/>
           </a:p>
@@ -16345,21 +16291,6 @@
   <p:clrMapOvr>
     <a:masterClrMapping/>
   </p:clrMapOvr>
-  <mc:AlternateContent xmlns:mc="http://schemas.openxmlformats.org/markup-compatibility/2006" xmlns:p14="http://schemas.microsoft.com/office/powerpoint/2010/main">
-    <mc:Choice Requires="p14">
-      <p:transition spd="slow" p14:dur="2000"/>
-    </mc:Choice>
-    <mc:Fallback xmlns="">
-      <p:transition spd="slow"/>
-    </mc:Fallback>
-  </mc:AlternateContent>
-  <p:timing>
-    <p:tnLst>
-      <p:par>
-        <p:cTn id="1" dur="indefinite" restart="never" nodeType="tmRoot"/>
-      </p:par>
-    </p:tnLst>
-  </p:timing>
 </p:sldLayout>
 </file>
 
@@ -16402,7 +16333,7 @@
             <a:fld id="{4DED88E1-B763-4872-A95C-D1643011B528}" type="datetime1">
               <a:rPr lang="ru-RU" smtClean="0"/>
               <a:pPr/>
-              <a:t>28.03.2019</a:t>
+              <a:t>29.03.2019</a:t>
             </a:fld>
             <a:endParaRPr lang="ru-RU" dirty="0"/>
           </a:p>
@@ -16462,21 +16393,6 @@
   <p:clrMapOvr>
     <a:masterClrMapping/>
   </p:clrMapOvr>
-  <mc:AlternateContent xmlns:mc="http://schemas.openxmlformats.org/markup-compatibility/2006" xmlns:p14="http://schemas.microsoft.com/office/powerpoint/2010/main">
-    <mc:Choice Requires="p14">
-      <p:transition spd="slow" p14:dur="2000"/>
-    </mc:Choice>
-    <mc:Fallback xmlns="">
-      <p:transition spd="slow"/>
-    </mc:Fallback>
-  </mc:AlternateContent>
-  <p:timing>
-    <p:tnLst>
-      <p:par>
-        <p:cTn id="1" dur="indefinite" restart="never" nodeType="tmRoot"/>
-      </p:par>
-    </p:tnLst>
-  </p:timing>
 </p:sldLayout>
 </file>
 
@@ -16525,7 +16441,7 @@
           <a:p>
             <a:pPr rtl="0"/>
             <a:r>
-              <a:rPr lang="ru-RU" smtClean="0"/>
+              <a:rPr lang="ru-RU"/>
               <a:t>Образец заголовка</a:t>
             </a:r>
             <a:endParaRPr lang="ru-RU" dirty="0"/>
@@ -16584,35 +16500,35 @@
           <a:p>
             <a:pPr lvl="0" rtl="0"/>
             <a:r>
-              <a:rPr lang="ru-RU" smtClean="0"/>
+              <a:rPr lang="ru-RU"/>
               <a:t>Образец текста</a:t>
             </a:r>
           </a:p>
           <a:p>
             <a:pPr lvl="1" rtl="0"/>
             <a:r>
-              <a:rPr lang="ru-RU" smtClean="0"/>
+              <a:rPr lang="ru-RU"/>
               <a:t>Второй уровень</a:t>
             </a:r>
           </a:p>
           <a:p>
             <a:pPr lvl="2" rtl="0"/>
             <a:r>
-              <a:rPr lang="ru-RU" smtClean="0"/>
+              <a:rPr lang="ru-RU"/>
               <a:t>Третий уровень</a:t>
             </a:r>
           </a:p>
           <a:p>
             <a:pPr lvl="3" rtl="0"/>
             <a:r>
-              <a:rPr lang="ru-RU" smtClean="0"/>
+              <a:rPr lang="ru-RU"/>
               <a:t>Четвертый уровень</a:t>
             </a:r>
           </a:p>
           <a:p>
             <a:pPr lvl="4" rtl="0"/>
             <a:r>
-              <a:rPr lang="ru-RU" smtClean="0"/>
+              <a:rPr lang="ru-RU"/>
               <a:t>Пятый уровень</a:t>
             </a:r>
             <a:endParaRPr lang="ru-RU" dirty="0"/>
@@ -16681,7 +16597,7 @@
           <a:p>
             <a:pPr lvl="0" rtl="0"/>
             <a:r>
-              <a:rPr lang="ru-RU" smtClean="0"/>
+              <a:rPr lang="ru-RU"/>
               <a:t>Образец текста</a:t>
             </a:r>
           </a:p>
@@ -16709,7 +16625,7 @@
             <a:fld id="{C57E0EC7-2776-4AD9-84CE-3F9E782741C2}" type="datetime1">
               <a:rPr lang="ru-RU" smtClean="0"/>
               <a:pPr/>
-              <a:t>28.03.2019</a:t>
+              <a:t>29.03.2019</a:t>
             </a:fld>
             <a:endParaRPr lang="ru-RU" dirty="0"/>
           </a:p>
@@ -16769,21 +16685,6 @@
   <p:clrMapOvr>
     <a:masterClrMapping/>
   </p:clrMapOvr>
-  <mc:AlternateContent xmlns:mc="http://schemas.openxmlformats.org/markup-compatibility/2006" xmlns:p14="http://schemas.microsoft.com/office/powerpoint/2010/main">
-    <mc:Choice Requires="p14">
-      <p:transition spd="slow" p14:dur="2000"/>
-    </mc:Choice>
-    <mc:Fallback xmlns="">
-      <p:transition spd="slow"/>
-    </mc:Fallback>
-  </mc:AlternateContent>
-  <p:timing>
-    <p:tnLst>
-      <p:par>
-        <p:cTn id="1" dur="indefinite" restart="never" nodeType="tmRoot"/>
-      </p:par>
-    </p:tnLst>
-  </p:timing>
 </p:sldLayout>
 </file>
 
@@ -16881,7 +16782,7 @@
           <a:p>
             <a:pPr rtl="0"/>
             <a:r>
-              <a:rPr lang="ru-RU" smtClean="0"/>
+              <a:rPr lang="ru-RU"/>
               <a:t>Образец заголовка</a:t>
             </a:r>
             <a:endParaRPr lang="ru-RU" dirty="0"/>
@@ -16949,7 +16850,7 @@
           <a:p>
             <a:pPr rtl="0"/>
             <a:r>
-              <a:rPr lang="ru-RU" smtClean="0"/>
+              <a:rPr lang="ru-RU"/>
               <a:t>Вставка рисунка</a:t>
             </a:r>
             <a:endParaRPr lang="ru-RU" dirty="0"/>
@@ -17018,7 +16919,7 @@
           <a:p>
             <a:pPr lvl="0" rtl="0"/>
             <a:r>
-              <a:rPr lang="ru-RU" smtClean="0"/>
+              <a:rPr lang="ru-RU"/>
               <a:t>Образец текста</a:t>
             </a:r>
           </a:p>
@@ -17046,7 +16947,7 @@
             <a:fld id="{5FAF969C-653B-47D5-B5E2-94CF67614AE9}" type="datetime1">
               <a:rPr lang="ru-RU" smtClean="0"/>
               <a:pPr/>
-              <a:t>28.03.2019</a:t>
+              <a:t>29.03.2019</a:t>
             </a:fld>
             <a:endParaRPr lang="ru-RU" dirty="0"/>
           </a:p>
@@ -17106,21 +17007,6 @@
   <p:clrMapOvr>
     <a:masterClrMapping/>
   </p:clrMapOvr>
-  <mc:AlternateContent xmlns:mc="http://schemas.openxmlformats.org/markup-compatibility/2006" xmlns:p14="http://schemas.microsoft.com/office/powerpoint/2010/main">
-    <mc:Choice Requires="p14">
-      <p:transition spd="slow" p14:dur="2000"/>
-    </mc:Choice>
-    <mc:Fallback xmlns="">
-      <p:transition spd="slow"/>
-    </mc:Fallback>
-  </mc:AlternateContent>
-  <p:timing>
-    <p:tnLst>
-      <p:par>
-        <p:cTn id="1" dur="indefinite" restart="never" nodeType="tmRoot"/>
-      </p:par>
-    </p:tnLst>
-  </p:timing>
 </p:sldLayout>
 </file>
 
@@ -17173,10 +17059,9 @@
           <a:p>
             <a:pPr rtl="0"/>
             <a:r>
-              <a:rPr lang="ru-RU" dirty="0" smtClean="0"/>
+              <a:rPr lang="ru-RU" dirty="0"/>
               <a:t>Образец заголовка</a:t>
             </a:r>
-            <a:endParaRPr lang="ru-RU" dirty="0"/>
           </a:p>
         </p:txBody>
       </p:sp>
@@ -17207,38 +17092,37 @@
           <a:p>
             <a:pPr lvl="0" rtl="0"/>
             <a:r>
-              <a:rPr lang="ru-RU" dirty="0" smtClean="0"/>
+              <a:rPr lang="ru-RU" dirty="0"/>
               <a:t>Образец текста</a:t>
             </a:r>
           </a:p>
           <a:p>
             <a:pPr lvl="1" rtl="0"/>
             <a:r>
-              <a:rPr lang="ru-RU" dirty="0" smtClean="0"/>
+              <a:rPr lang="ru-RU" dirty="0"/>
               <a:t>Второй уровень</a:t>
             </a:r>
           </a:p>
           <a:p>
             <a:pPr lvl="2" rtl="0"/>
             <a:r>
-              <a:rPr lang="ru-RU" dirty="0" smtClean="0"/>
+              <a:rPr lang="ru-RU" dirty="0"/>
               <a:t>Третий уровень</a:t>
             </a:r>
           </a:p>
           <a:p>
             <a:pPr lvl="3" rtl="0"/>
             <a:r>
-              <a:rPr lang="ru-RU" dirty="0" smtClean="0"/>
+              <a:rPr lang="ru-RU" dirty="0"/>
               <a:t>Четвертый уровень</a:t>
             </a:r>
           </a:p>
           <a:p>
             <a:pPr lvl="4" rtl="0"/>
             <a:r>
-              <a:rPr lang="ru-RU" dirty="0" smtClean="0"/>
+              <a:rPr lang="ru-RU" dirty="0"/>
               <a:t>Пятый уровень</a:t>
             </a:r>
-            <a:endParaRPr lang="ru-RU" dirty="0"/>
           </a:p>
         </p:txBody>
       </p:sp>
@@ -17278,7 +17162,7 @@
             <a:fld id="{EF8CDDE5-FCFD-48E4-8C63-D89CA08A7A47}" type="datetime1">
               <a:rPr lang="ru-RU" smtClean="0"/>
               <a:pPr/>
-              <a:t>28.03.2019</a:t>
+              <a:t>29.03.2019</a:t>
             </a:fld>
             <a:endParaRPr lang="ru-RU" dirty="0"/>
           </a:p>
@@ -17385,21 +17269,6 @@
     <p:sldLayoutId id="2147483658" r:id="rId10"/>
     <p:sldLayoutId id="2147483659" r:id="rId11"/>
   </p:sldLayoutIdLst>
-  <mc:AlternateContent xmlns:mc="http://schemas.openxmlformats.org/markup-compatibility/2006" xmlns:p14="http://schemas.microsoft.com/office/powerpoint/2010/main">
-    <mc:Choice Requires="p14">
-      <p:transition spd="slow" p14:dur="2000"/>
-    </mc:Choice>
-    <mc:Fallback xmlns="">
-      <p:transition spd="slow"/>
-    </mc:Fallback>
-  </mc:AlternateContent>
-  <p:timing>
-    <p:tnLst>
-      <p:par>
-        <p:cTn id="1" dur="indefinite" restart="never" nodeType="tmRoot"/>
-      </p:par>
-    </p:tnLst>
-  </p:timing>
   <p:txStyles>
     <p:titleStyle>
       <a:lvl1pPr algn="l" defTabSz="914400" rtl="0" eaLnBrk="1" latinLnBrk="0" hangingPunct="1">
@@ -17770,7 +17639,7 @@
           <a:p>
             <a:pPr rtl="0"/>
             <a:r>
-              <a:rPr lang="en-US" dirty="0" smtClean="0"/>
+              <a:rPr lang="en-US" dirty="0"/>
               <a:t>Booker</a:t>
             </a:r>
             <a:endParaRPr lang="ru-RU" dirty="0"/>
@@ -17794,10 +17663,9 @@
           <a:p>
             <a:pPr rtl="0"/>
             <a:r>
-              <a:rPr lang="ru-RU" dirty="0" smtClean="0"/>
+              <a:rPr lang="ru-RU" dirty="0"/>
               <a:t>Подзаголовок</a:t>
             </a:r>
-            <a:endParaRPr lang="ru-RU" dirty="0"/>
           </a:p>
         </p:txBody>
       </p:sp>
@@ -17823,13 +17691,6 @@
       </p:transition>
     </mc:Fallback>
   </mc:AlternateContent>
-  <p:timing>
-    <p:tnLst>
-      <p:par>
-        <p:cTn id="1" dur="indefinite" restart="never" nodeType="tmRoot"/>
-      </p:par>
-    </p:tnLst>
-  </p:timing>
 </p:sld>
 </file>
 
@@ -17869,7 +17730,6 @@
               <a:rPr lang="ru-RU" dirty="0"/>
               <a:t>Цель</a:t>
             </a:r>
-            <a:endParaRPr lang="ru-RU" dirty="0"/>
           </a:p>
         </p:txBody>
       </p:sp>
@@ -17883,7 +17743,7 @@
             <p:ph idx="1"/>
             <p:extLst>
               <p:ext uri="{D42A27DB-BD31-4B8C-83A1-F6EECF244321}">
-                <p14:modId xmlns:p14="http://schemas.microsoft.com/office/powerpoint/2010/main" val="2200257521"/>
+                <p14:modId xmlns:p14="http://schemas.microsoft.com/office/powerpoint/2010/main" val="834879636"/>
               </p:ext>
             </p:extLst>
           </p:nvPr>
@@ -17908,21 +17768,6 @@
   <p:clrMapOvr>
     <a:masterClrMapping/>
   </p:clrMapOvr>
-  <mc:AlternateContent xmlns:mc="http://schemas.openxmlformats.org/markup-compatibility/2006" xmlns:p14="http://schemas.microsoft.com/office/powerpoint/2010/main">
-    <mc:Choice Requires="p14">
-      <p:transition spd="slow" p14:dur="2000"/>
-    </mc:Choice>
-    <mc:Fallback xmlns="">
-      <p:transition spd="slow"/>
-    </mc:Fallback>
-  </mc:AlternateContent>
-  <p:timing>
-    <p:tnLst>
-      <p:par>
-        <p:cTn id="1" dur="indefinite" restart="never" nodeType="tmRoot"/>
-      </p:par>
-    </p:tnLst>
-  </p:timing>
 </p:sld>
 </file>
 
@@ -17959,10 +17804,9 @@
           <a:lstStyle/>
           <a:p>
             <a:r>
-              <a:rPr lang="ru-RU" dirty="0" smtClean="0"/>
+              <a:rPr lang="ru-RU" dirty="0"/>
               <a:t>Описание</a:t>
             </a:r>
-            <a:endParaRPr lang="ru-RU" dirty="0"/>
           </a:p>
         </p:txBody>
       </p:sp>
@@ -17976,7 +17820,7 @@
             <p:ph idx="1"/>
             <p:extLst>
               <p:ext uri="{D42A27DB-BD31-4B8C-83A1-F6EECF244321}">
-                <p14:modId xmlns:p14="http://schemas.microsoft.com/office/powerpoint/2010/main" val="3261965925"/>
+                <p14:modId xmlns:p14="http://schemas.microsoft.com/office/powerpoint/2010/main" val="2269326353"/>
               </p:ext>
             </p:extLst>
           </p:nvPr>
@@ -18001,21 +17845,6 @@
   <p:clrMapOvr>
     <a:masterClrMapping/>
   </p:clrMapOvr>
-  <mc:AlternateContent xmlns:mc="http://schemas.openxmlformats.org/markup-compatibility/2006" xmlns:p14="http://schemas.microsoft.com/office/powerpoint/2010/main">
-    <mc:Choice Requires="p14">
-      <p:transition spd="slow" p14:dur="2000"/>
-    </mc:Choice>
-    <mc:Fallback xmlns="">
-      <p:transition spd="slow"/>
-    </mc:Fallback>
-  </mc:AlternateContent>
-  <p:timing>
-    <p:tnLst>
-      <p:par>
-        <p:cTn id="1" dur="indefinite" restart="never" nodeType="tmRoot"/>
-      </p:par>
-    </p:tnLst>
-  </p:timing>
 </p:sld>
 </file>
 
@@ -18052,10 +17881,9 @@
           <a:lstStyle/>
           <a:p>
             <a:r>
-              <a:rPr lang="ru-RU" dirty="0" smtClean="0"/>
+              <a:rPr lang="ru-RU" dirty="0"/>
               <a:t>Возможности для доработки.</a:t>
             </a:r>
-            <a:endParaRPr lang="ru-RU" dirty="0"/>
           </a:p>
         </p:txBody>
       </p:sp>
@@ -18069,7 +17897,7 @@
             <p:ph idx="1"/>
             <p:extLst>
               <p:ext uri="{D42A27DB-BD31-4B8C-83A1-F6EECF244321}">
-                <p14:modId xmlns:p14="http://schemas.microsoft.com/office/powerpoint/2010/main" val="278228982"/>
+                <p14:modId xmlns:p14="http://schemas.microsoft.com/office/powerpoint/2010/main" val="588264064"/>
               </p:ext>
             </p:extLst>
           </p:nvPr>
@@ -18094,21 +17922,6 @@
   <p:clrMapOvr>
     <a:masterClrMapping/>
   </p:clrMapOvr>
-  <mc:AlternateContent xmlns:mc="http://schemas.openxmlformats.org/markup-compatibility/2006" xmlns:p14="http://schemas.microsoft.com/office/powerpoint/2010/main">
-    <mc:Choice Requires="p14">
-      <p:transition spd="slow" p14:dur="2000"/>
-    </mc:Choice>
-    <mc:Fallback xmlns="">
-      <p:transition spd="slow"/>
-    </mc:Fallback>
-  </mc:AlternateContent>
-  <p:timing>
-    <p:tnLst>
-      <p:par>
-        <p:cTn id="1" dur="indefinite" restart="never" nodeType="tmRoot"/>
-      </p:par>
-    </p:tnLst>
-  </p:timing>
 </p:sld>
 </file>
 
@@ -18145,10 +17958,9 @@
           <a:lstStyle/>
           <a:p>
             <a:r>
-              <a:rPr lang="ru-RU" dirty="0" smtClean="0"/>
+              <a:rPr lang="ru-RU" dirty="0"/>
               <a:t>Внешний вид</a:t>
             </a:r>
-            <a:endParaRPr lang="ru-RU" dirty="0"/>
           </a:p>
         </p:txBody>
       </p:sp>
@@ -18162,7 +17974,7 @@
             <p:ph idx="1"/>
             <p:extLst>
               <p:ext uri="{D42A27DB-BD31-4B8C-83A1-F6EECF244321}">
-                <p14:modId xmlns:p14="http://schemas.microsoft.com/office/powerpoint/2010/main" val="790024093"/>
+                <p14:modId xmlns:p14="http://schemas.microsoft.com/office/powerpoint/2010/main" val="441440440"/>
               </p:ext>
             </p:extLst>
           </p:nvPr>
@@ -18187,21 +17999,6 @@
   <p:clrMapOvr>
     <a:masterClrMapping/>
   </p:clrMapOvr>
-  <mc:AlternateContent xmlns:mc="http://schemas.openxmlformats.org/markup-compatibility/2006" xmlns:p14="http://schemas.microsoft.com/office/powerpoint/2010/main">
-    <mc:Choice Requires="p14">
-      <p:transition spd="slow" p14:dur="2000"/>
-    </mc:Choice>
-    <mc:Fallback xmlns="">
-      <p:transition spd="slow"/>
-    </mc:Fallback>
-  </mc:AlternateContent>
-  <p:timing>
-    <p:tnLst>
-      <p:par>
-        <p:cTn id="1" dur="indefinite" restart="never" nodeType="tmRoot"/>
-      </p:par>
-    </p:tnLst>
-  </p:timing>
 </p:sld>
 </file>
 
@@ -18989,6 +18786,132 @@
 </file>
 
 <file path=customXml/item1.xml><?xml version="1.0" encoding="utf-8"?>
+<p:properties xmlns:p="http://schemas.microsoft.com/office/2006/metadata/properties" xmlns:xsi="http://www.w3.org/2001/XMLSchema-instance" xmlns:pc="http://schemas.microsoft.com/office/infopath/2007/PartnerControls">
+  <documentManagement>
+    <DirectSourceMarket xmlns="4873beb7-5857-4685-be1f-d57550cc96cc" xsi:nil="true"/>
+    <ApprovalStatus xmlns="4873beb7-5857-4685-be1f-d57550cc96cc">InProgress</ApprovalStatus>
+    <MarketSpecific xmlns="4873beb7-5857-4685-be1f-d57550cc96cc">false</MarketSpecific>
+    <LocComments xmlns="4873beb7-5857-4685-be1f-d57550cc96cc" xsi:nil="true"/>
+    <ThumbnailAssetId xmlns="4873beb7-5857-4685-be1f-d57550cc96cc" xsi:nil="true"/>
+    <PrimaryImageGen xmlns="4873beb7-5857-4685-be1f-d57550cc96cc">true</PrimaryImageGen>
+    <LegacyData xmlns="4873beb7-5857-4685-be1f-d57550cc96cc" xsi:nil="true"/>
+    <LocRecommendedHandoff xmlns="4873beb7-5857-4685-be1f-d57550cc96cc" xsi:nil="true"/>
+    <BusinessGroup xmlns="4873beb7-5857-4685-be1f-d57550cc96cc" xsi:nil="true"/>
+    <BlockPublish xmlns="4873beb7-5857-4685-be1f-d57550cc96cc">false</BlockPublish>
+    <TPFriendlyName xmlns="4873beb7-5857-4685-be1f-d57550cc96cc" xsi:nil="true"/>
+    <NumericId xmlns="4873beb7-5857-4685-be1f-d57550cc96cc" xsi:nil="true"/>
+    <APEditor xmlns="4873beb7-5857-4685-be1f-d57550cc96cc">
+      <UserInfo>
+        <DisplayName/>
+        <AccountId xsi:nil="true"/>
+        <AccountType/>
+      </UserInfo>
+    </APEditor>
+    <SourceTitle xmlns="4873beb7-5857-4685-be1f-d57550cc96cc" xsi:nil="true"/>
+    <OpenTemplate xmlns="4873beb7-5857-4685-be1f-d57550cc96cc">true</OpenTemplate>
+    <UALocComments xmlns="4873beb7-5857-4685-be1f-d57550cc96cc" xsi:nil="true"/>
+    <ParentAssetId xmlns="4873beb7-5857-4685-be1f-d57550cc96cc" xsi:nil="true"/>
+    <IntlLangReviewDate xmlns="4873beb7-5857-4685-be1f-d57550cc96cc" xsi:nil="true"/>
+    <FeatureTagsTaxHTField0 xmlns="4873beb7-5857-4685-be1f-d57550cc96cc">
+      <Terms xmlns="http://schemas.microsoft.com/office/infopath/2007/PartnerControls"/>
+    </FeatureTagsTaxHTField0>
+    <PublishStatusLookup xmlns="4873beb7-5857-4685-be1f-d57550cc96cc">
+      <Value>1566889</Value>
+    </PublishStatusLookup>
+    <Providers xmlns="4873beb7-5857-4685-be1f-d57550cc96cc" xsi:nil="true"/>
+    <MachineTranslated xmlns="4873beb7-5857-4685-be1f-d57550cc96cc">false</MachineTranslated>
+    <OriginalSourceMarket xmlns="4873beb7-5857-4685-be1f-d57550cc96cc" xsi:nil="true"/>
+    <APDescription xmlns="4873beb7-5857-4685-be1f-d57550cc96cc" xsi:nil="true"/>
+    <ClipArtFilename xmlns="4873beb7-5857-4685-be1f-d57550cc96cc" xsi:nil="true"/>
+    <ContentItem xmlns="4873beb7-5857-4685-be1f-d57550cc96cc" xsi:nil="true"/>
+    <TPInstallLocation xmlns="4873beb7-5857-4685-be1f-d57550cc96cc" xsi:nil="true"/>
+    <PublishTargets xmlns="4873beb7-5857-4685-be1f-d57550cc96cc">OfficeOnlineVNext</PublishTargets>
+    <TimesCloned xmlns="4873beb7-5857-4685-be1f-d57550cc96cc" xsi:nil="true"/>
+    <AssetStart xmlns="4873beb7-5857-4685-be1f-d57550cc96cc">2012-05-23T08:44:00+00:00</AssetStart>
+    <Provider xmlns="4873beb7-5857-4685-be1f-d57550cc96cc" xsi:nil="true"/>
+    <AcquiredFrom xmlns="4873beb7-5857-4685-be1f-d57550cc96cc">Internal MS</AcquiredFrom>
+    <FriendlyTitle xmlns="4873beb7-5857-4685-be1f-d57550cc96cc" xsi:nil="true"/>
+    <LastHandOff xmlns="4873beb7-5857-4685-be1f-d57550cc96cc" xsi:nil="true"/>
+    <TPClientViewer xmlns="4873beb7-5857-4685-be1f-d57550cc96cc" xsi:nil="true"/>
+    <UACurrentWords xmlns="4873beb7-5857-4685-be1f-d57550cc96cc" xsi:nil="true"/>
+    <ArtSampleDocs xmlns="4873beb7-5857-4685-be1f-d57550cc96cc" xsi:nil="true"/>
+    <UALocRecommendation xmlns="4873beb7-5857-4685-be1f-d57550cc96cc">Localize</UALocRecommendation>
+    <Manager xmlns="4873beb7-5857-4685-be1f-d57550cc96cc" xsi:nil="true"/>
+    <ShowIn xmlns="4873beb7-5857-4685-be1f-d57550cc96cc">Show everywhere</ShowIn>
+    <UANotes xmlns="4873beb7-5857-4685-be1f-d57550cc96cc" xsi:nil="true"/>
+    <TemplateStatus xmlns="4873beb7-5857-4685-be1f-d57550cc96cc">Complete</TemplateStatus>
+    <InternalTagsTaxHTField0 xmlns="4873beb7-5857-4685-be1f-d57550cc96cc">
+      <Terms xmlns="http://schemas.microsoft.com/office/infopath/2007/PartnerControls"/>
+    </InternalTagsTaxHTField0>
+    <CSXHash xmlns="4873beb7-5857-4685-be1f-d57550cc96cc" xsi:nil="true"/>
+    <Downloads xmlns="4873beb7-5857-4685-be1f-d57550cc96cc">0</Downloads>
+    <VoteCount xmlns="4873beb7-5857-4685-be1f-d57550cc96cc" xsi:nil="true"/>
+    <OOCacheId xmlns="4873beb7-5857-4685-be1f-d57550cc96cc" xsi:nil="true"/>
+    <IsDeleted xmlns="4873beb7-5857-4685-be1f-d57550cc96cc">false</IsDeleted>
+    <AssetExpire xmlns="4873beb7-5857-4685-be1f-d57550cc96cc">2029-01-01T08:00:00+00:00</AssetExpire>
+    <DSATActionTaken xmlns="4873beb7-5857-4685-be1f-d57550cc96cc" xsi:nil="true"/>
+    <CSXSubmissionMarket xmlns="4873beb7-5857-4685-be1f-d57550cc96cc" xsi:nil="true"/>
+    <TPExecutable xmlns="4873beb7-5857-4685-be1f-d57550cc96cc" xsi:nil="true"/>
+    <SubmitterId xmlns="4873beb7-5857-4685-be1f-d57550cc96cc" xsi:nil="true"/>
+    <EditorialTags xmlns="4873beb7-5857-4685-be1f-d57550cc96cc" xsi:nil="true"/>
+    <ApprovalLog xmlns="4873beb7-5857-4685-be1f-d57550cc96cc" xsi:nil="true"/>
+    <AssetType xmlns="4873beb7-5857-4685-be1f-d57550cc96cc">TP</AssetType>
+    <BugNumber xmlns="4873beb7-5857-4685-be1f-d57550cc96cc" xsi:nil="true"/>
+    <CSXSubmissionDate xmlns="4873beb7-5857-4685-be1f-d57550cc96cc" xsi:nil="true"/>
+    <CSXUpdate xmlns="4873beb7-5857-4685-be1f-d57550cc96cc">false</CSXUpdate>
+    <Milestone xmlns="4873beb7-5857-4685-be1f-d57550cc96cc" xsi:nil="true"/>
+    <RecommendationsModifier xmlns="4873beb7-5857-4685-be1f-d57550cc96cc" xsi:nil="true"/>
+    <OriginAsset xmlns="4873beb7-5857-4685-be1f-d57550cc96cc" xsi:nil="true"/>
+    <TPComponent xmlns="4873beb7-5857-4685-be1f-d57550cc96cc" xsi:nil="true"/>
+    <AssetId xmlns="4873beb7-5857-4685-be1f-d57550cc96cc">TP102901017</AssetId>
+    <IntlLocPriority xmlns="4873beb7-5857-4685-be1f-d57550cc96cc" xsi:nil="true"/>
+    <PolicheckWords xmlns="4873beb7-5857-4685-be1f-d57550cc96cc" xsi:nil="true"/>
+    <TPLaunchHelpLink xmlns="4873beb7-5857-4685-be1f-d57550cc96cc" xsi:nil="true"/>
+    <TPApplication xmlns="4873beb7-5857-4685-be1f-d57550cc96cc" xsi:nil="true"/>
+    <CrawlForDependencies xmlns="4873beb7-5857-4685-be1f-d57550cc96cc">false</CrawlForDependencies>
+    <HandoffToMSDN xmlns="4873beb7-5857-4685-be1f-d57550cc96cc" xsi:nil="true"/>
+    <PlannedPubDate xmlns="4873beb7-5857-4685-be1f-d57550cc96cc" xsi:nil="true"/>
+    <IntlLangReviewer xmlns="4873beb7-5857-4685-be1f-d57550cc96cc" xsi:nil="true"/>
+    <TrustLevel xmlns="4873beb7-5857-4685-be1f-d57550cc96cc">1 Microsoft Managed Content</TrustLevel>
+    <LocLastLocAttemptVersionLookup xmlns="4873beb7-5857-4685-be1f-d57550cc96cc">836753</LocLastLocAttemptVersionLookup>
+    <IsSearchable xmlns="4873beb7-5857-4685-be1f-d57550cc96cc">true</IsSearchable>
+    <TemplateTemplateType xmlns="4873beb7-5857-4685-be1f-d57550cc96cc">PowerPoint Design Template</TemplateTemplateType>
+    <CampaignTagsTaxHTField0 xmlns="4873beb7-5857-4685-be1f-d57550cc96cc">
+      <Terms xmlns="http://schemas.microsoft.com/office/infopath/2007/PartnerControls"/>
+    </CampaignTagsTaxHTField0>
+    <TPNamespace xmlns="4873beb7-5857-4685-be1f-d57550cc96cc" xsi:nil="true"/>
+    <TaxCatchAll xmlns="4873beb7-5857-4685-be1f-d57550cc96cc"/>
+    <Markets xmlns="4873beb7-5857-4685-be1f-d57550cc96cc"/>
+    <UAProjectedTotalWords xmlns="4873beb7-5857-4685-be1f-d57550cc96cc" xsi:nil="true"/>
+    <IntlLangReview xmlns="4873beb7-5857-4685-be1f-d57550cc96cc">false</IntlLangReview>
+    <OutputCachingOn xmlns="4873beb7-5857-4685-be1f-d57550cc96cc">false</OutputCachingOn>
+    <AverageRating xmlns="4873beb7-5857-4685-be1f-d57550cc96cc" xsi:nil="true"/>
+    <APAuthor xmlns="4873beb7-5857-4685-be1f-d57550cc96cc">
+      <UserInfo>
+        <DisplayName>REDMOND\v-anij</DisplayName>
+        <AccountId>2469</AccountId>
+        <AccountType/>
+      </UserInfo>
+    </APAuthor>
+    <LocManualTestRequired xmlns="4873beb7-5857-4685-be1f-d57550cc96cc">false</LocManualTestRequired>
+    <TPCommandLine xmlns="4873beb7-5857-4685-be1f-d57550cc96cc" xsi:nil="true"/>
+    <TPAppVersion xmlns="4873beb7-5857-4685-be1f-d57550cc96cc" xsi:nil="true"/>
+    <EditorialStatus xmlns="4873beb7-5857-4685-be1f-d57550cc96cc">Complete</EditorialStatus>
+    <LastModifiedDateTime xmlns="4873beb7-5857-4685-be1f-d57550cc96cc" xsi:nil="true"/>
+    <ScenarioTagsTaxHTField0 xmlns="4873beb7-5857-4685-be1f-d57550cc96cc">
+      <Terms xmlns="http://schemas.microsoft.com/office/infopath/2007/PartnerControls"/>
+    </ScenarioTagsTaxHTField0>
+    <OriginalRelease xmlns="4873beb7-5857-4685-be1f-d57550cc96cc">15</OriginalRelease>
+    <TPLaunchHelpLinkType xmlns="4873beb7-5857-4685-be1f-d57550cc96cc">Template</TPLaunchHelpLinkType>
+    <LocalizationTagsTaxHTField0 xmlns="4873beb7-5857-4685-be1f-d57550cc96cc">
+      <Terms xmlns="http://schemas.microsoft.com/office/infopath/2007/PartnerControls"/>
+    </LocalizationTagsTaxHTField0>
+    <LocMarketGroupTiers2 xmlns="4873beb7-5857-4685-be1f-d57550cc96cc" xsi:nil="true"/>
+  </documentManagement>
+</p:properties>
+</file>
+
+<file path=customXml/item2.xml><?xml version="1.0" encoding="utf-8"?>
 <ct:contentTypeSchema xmlns:ct="http://schemas.microsoft.com/office/2006/metadata/contentType" xmlns:ma="http://schemas.microsoft.com/office/2006/metadata/properties/metaAttributes" ct:_="" ma:_="" ma:contentTypeName="TemplateFile" ma:contentTypeID="0x0101006EDDDB5EE6D98C44930B742096920B300400F5B6D36B3EF94B4E9A635CDF2A18F5B8" ma:contentTypeVersion="72" ma:contentTypeDescription="Create a new document." ma:contentTypeScope="" ma:versionID="a23e56308344d904b51738559c3d67c9">
   <xsd:schema xmlns:xsd="http://www.w3.org/2001/XMLSchema" xmlns:xs="http://www.w3.org/2001/XMLSchema" xmlns:p="http://schemas.microsoft.com/office/2006/metadata/properties" xmlns:ns2="4873beb7-5857-4685-be1f-d57550cc96cc" targetNamespace="http://schemas.microsoft.com/office/2006/metadata/properties" ma:root="true" ma:fieldsID="cd0908cc4600e77bf5da051303e00c8d" ns2:_="">
     <xsd:import namespace="4873beb7-5857-4685-be1f-d57550cc96cc"/>
@@ -20028,132 +19951,6 @@
 </ct:contentTypeSchema>
 </file>
 
-<file path=customXml/item2.xml><?xml version="1.0" encoding="utf-8"?>
-<p:properties xmlns:p="http://schemas.microsoft.com/office/2006/metadata/properties" xmlns:xsi="http://www.w3.org/2001/XMLSchema-instance" xmlns:pc="http://schemas.microsoft.com/office/infopath/2007/PartnerControls">
-  <documentManagement>
-    <DirectSourceMarket xmlns="4873beb7-5857-4685-be1f-d57550cc96cc" xsi:nil="true"/>
-    <ApprovalStatus xmlns="4873beb7-5857-4685-be1f-d57550cc96cc">InProgress</ApprovalStatus>
-    <MarketSpecific xmlns="4873beb7-5857-4685-be1f-d57550cc96cc">false</MarketSpecific>
-    <LocComments xmlns="4873beb7-5857-4685-be1f-d57550cc96cc" xsi:nil="true"/>
-    <ThumbnailAssetId xmlns="4873beb7-5857-4685-be1f-d57550cc96cc" xsi:nil="true"/>
-    <PrimaryImageGen xmlns="4873beb7-5857-4685-be1f-d57550cc96cc">true</PrimaryImageGen>
-    <LegacyData xmlns="4873beb7-5857-4685-be1f-d57550cc96cc" xsi:nil="true"/>
-    <LocRecommendedHandoff xmlns="4873beb7-5857-4685-be1f-d57550cc96cc" xsi:nil="true"/>
-    <BusinessGroup xmlns="4873beb7-5857-4685-be1f-d57550cc96cc" xsi:nil="true"/>
-    <BlockPublish xmlns="4873beb7-5857-4685-be1f-d57550cc96cc">false</BlockPublish>
-    <TPFriendlyName xmlns="4873beb7-5857-4685-be1f-d57550cc96cc" xsi:nil="true"/>
-    <NumericId xmlns="4873beb7-5857-4685-be1f-d57550cc96cc" xsi:nil="true"/>
-    <APEditor xmlns="4873beb7-5857-4685-be1f-d57550cc96cc">
-      <UserInfo>
-        <DisplayName/>
-        <AccountId xsi:nil="true"/>
-        <AccountType/>
-      </UserInfo>
-    </APEditor>
-    <SourceTitle xmlns="4873beb7-5857-4685-be1f-d57550cc96cc" xsi:nil="true"/>
-    <OpenTemplate xmlns="4873beb7-5857-4685-be1f-d57550cc96cc">true</OpenTemplate>
-    <UALocComments xmlns="4873beb7-5857-4685-be1f-d57550cc96cc" xsi:nil="true"/>
-    <ParentAssetId xmlns="4873beb7-5857-4685-be1f-d57550cc96cc" xsi:nil="true"/>
-    <IntlLangReviewDate xmlns="4873beb7-5857-4685-be1f-d57550cc96cc" xsi:nil="true"/>
-    <FeatureTagsTaxHTField0 xmlns="4873beb7-5857-4685-be1f-d57550cc96cc">
-      <Terms xmlns="http://schemas.microsoft.com/office/infopath/2007/PartnerControls"/>
-    </FeatureTagsTaxHTField0>
-    <PublishStatusLookup xmlns="4873beb7-5857-4685-be1f-d57550cc96cc">
-      <Value>1566889</Value>
-    </PublishStatusLookup>
-    <Providers xmlns="4873beb7-5857-4685-be1f-d57550cc96cc" xsi:nil="true"/>
-    <MachineTranslated xmlns="4873beb7-5857-4685-be1f-d57550cc96cc">false</MachineTranslated>
-    <OriginalSourceMarket xmlns="4873beb7-5857-4685-be1f-d57550cc96cc" xsi:nil="true"/>
-    <APDescription xmlns="4873beb7-5857-4685-be1f-d57550cc96cc" xsi:nil="true"/>
-    <ClipArtFilename xmlns="4873beb7-5857-4685-be1f-d57550cc96cc" xsi:nil="true"/>
-    <ContentItem xmlns="4873beb7-5857-4685-be1f-d57550cc96cc" xsi:nil="true"/>
-    <TPInstallLocation xmlns="4873beb7-5857-4685-be1f-d57550cc96cc" xsi:nil="true"/>
-    <PublishTargets xmlns="4873beb7-5857-4685-be1f-d57550cc96cc">OfficeOnlineVNext</PublishTargets>
-    <TimesCloned xmlns="4873beb7-5857-4685-be1f-d57550cc96cc" xsi:nil="true"/>
-    <AssetStart xmlns="4873beb7-5857-4685-be1f-d57550cc96cc">2012-05-23T08:44:00+00:00</AssetStart>
-    <Provider xmlns="4873beb7-5857-4685-be1f-d57550cc96cc" xsi:nil="true"/>
-    <AcquiredFrom xmlns="4873beb7-5857-4685-be1f-d57550cc96cc">Internal MS</AcquiredFrom>
-    <FriendlyTitle xmlns="4873beb7-5857-4685-be1f-d57550cc96cc" xsi:nil="true"/>
-    <LastHandOff xmlns="4873beb7-5857-4685-be1f-d57550cc96cc" xsi:nil="true"/>
-    <TPClientViewer xmlns="4873beb7-5857-4685-be1f-d57550cc96cc" xsi:nil="true"/>
-    <UACurrentWords xmlns="4873beb7-5857-4685-be1f-d57550cc96cc" xsi:nil="true"/>
-    <ArtSampleDocs xmlns="4873beb7-5857-4685-be1f-d57550cc96cc" xsi:nil="true"/>
-    <UALocRecommendation xmlns="4873beb7-5857-4685-be1f-d57550cc96cc">Localize</UALocRecommendation>
-    <Manager xmlns="4873beb7-5857-4685-be1f-d57550cc96cc" xsi:nil="true"/>
-    <ShowIn xmlns="4873beb7-5857-4685-be1f-d57550cc96cc">Show everywhere</ShowIn>
-    <UANotes xmlns="4873beb7-5857-4685-be1f-d57550cc96cc" xsi:nil="true"/>
-    <TemplateStatus xmlns="4873beb7-5857-4685-be1f-d57550cc96cc">Complete</TemplateStatus>
-    <InternalTagsTaxHTField0 xmlns="4873beb7-5857-4685-be1f-d57550cc96cc">
-      <Terms xmlns="http://schemas.microsoft.com/office/infopath/2007/PartnerControls"/>
-    </InternalTagsTaxHTField0>
-    <CSXHash xmlns="4873beb7-5857-4685-be1f-d57550cc96cc" xsi:nil="true"/>
-    <Downloads xmlns="4873beb7-5857-4685-be1f-d57550cc96cc">0</Downloads>
-    <VoteCount xmlns="4873beb7-5857-4685-be1f-d57550cc96cc" xsi:nil="true"/>
-    <OOCacheId xmlns="4873beb7-5857-4685-be1f-d57550cc96cc" xsi:nil="true"/>
-    <IsDeleted xmlns="4873beb7-5857-4685-be1f-d57550cc96cc">false</IsDeleted>
-    <AssetExpire xmlns="4873beb7-5857-4685-be1f-d57550cc96cc">2029-01-01T08:00:00+00:00</AssetExpire>
-    <DSATActionTaken xmlns="4873beb7-5857-4685-be1f-d57550cc96cc" xsi:nil="true"/>
-    <CSXSubmissionMarket xmlns="4873beb7-5857-4685-be1f-d57550cc96cc" xsi:nil="true"/>
-    <TPExecutable xmlns="4873beb7-5857-4685-be1f-d57550cc96cc" xsi:nil="true"/>
-    <SubmitterId xmlns="4873beb7-5857-4685-be1f-d57550cc96cc" xsi:nil="true"/>
-    <EditorialTags xmlns="4873beb7-5857-4685-be1f-d57550cc96cc" xsi:nil="true"/>
-    <ApprovalLog xmlns="4873beb7-5857-4685-be1f-d57550cc96cc" xsi:nil="true"/>
-    <AssetType xmlns="4873beb7-5857-4685-be1f-d57550cc96cc">TP</AssetType>
-    <BugNumber xmlns="4873beb7-5857-4685-be1f-d57550cc96cc" xsi:nil="true"/>
-    <CSXSubmissionDate xmlns="4873beb7-5857-4685-be1f-d57550cc96cc" xsi:nil="true"/>
-    <CSXUpdate xmlns="4873beb7-5857-4685-be1f-d57550cc96cc">false</CSXUpdate>
-    <Milestone xmlns="4873beb7-5857-4685-be1f-d57550cc96cc" xsi:nil="true"/>
-    <RecommendationsModifier xmlns="4873beb7-5857-4685-be1f-d57550cc96cc" xsi:nil="true"/>
-    <OriginAsset xmlns="4873beb7-5857-4685-be1f-d57550cc96cc" xsi:nil="true"/>
-    <TPComponent xmlns="4873beb7-5857-4685-be1f-d57550cc96cc" xsi:nil="true"/>
-    <AssetId xmlns="4873beb7-5857-4685-be1f-d57550cc96cc">TP102901017</AssetId>
-    <IntlLocPriority xmlns="4873beb7-5857-4685-be1f-d57550cc96cc" xsi:nil="true"/>
-    <PolicheckWords xmlns="4873beb7-5857-4685-be1f-d57550cc96cc" xsi:nil="true"/>
-    <TPLaunchHelpLink xmlns="4873beb7-5857-4685-be1f-d57550cc96cc" xsi:nil="true"/>
-    <TPApplication xmlns="4873beb7-5857-4685-be1f-d57550cc96cc" xsi:nil="true"/>
-    <CrawlForDependencies xmlns="4873beb7-5857-4685-be1f-d57550cc96cc">false</CrawlForDependencies>
-    <HandoffToMSDN xmlns="4873beb7-5857-4685-be1f-d57550cc96cc" xsi:nil="true"/>
-    <PlannedPubDate xmlns="4873beb7-5857-4685-be1f-d57550cc96cc" xsi:nil="true"/>
-    <IntlLangReviewer xmlns="4873beb7-5857-4685-be1f-d57550cc96cc" xsi:nil="true"/>
-    <TrustLevel xmlns="4873beb7-5857-4685-be1f-d57550cc96cc">1 Microsoft Managed Content</TrustLevel>
-    <LocLastLocAttemptVersionLookup xmlns="4873beb7-5857-4685-be1f-d57550cc96cc">836753</LocLastLocAttemptVersionLookup>
-    <IsSearchable xmlns="4873beb7-5857-4685-be1f-d57550cc96cc">true</IsSearchable>
-    <TemplateTemplateType xmlns="4873beb7-5857-4685-be1f-d57550cc96cc">PowerPoint Design Template</TemplateTemplateType>
-    <CampaignTagsTaxHTField0 xmlns="4873beb7-5857-4685-be1f-d57550cc96cc">
-      <Terms xmlns="http://schemas.microsoft.com/office/infopath/2007/PartnerControls"/>
-    </CampaignTagsTaxHTField0>
-    <TPNamespace xmlns="4873beb7-5857-4685-be1f-d57550cc96cc" xsi:nil="true"/>
-    <TaxCatchAll xmlns="4873beb7-5857-4685-be1f-d57550cc96cc"/>
-    <Markets xmlns="4873beb7-5857-4685-be1f-d57550cc96cc"/>
-    <UAProjectedTotalWords xmlns="4873beb7-5857-4685-be1f-d57550cc96cc" xsi:nil="true"/>
-    <IntlLangReview xmlns="4873beb7-5857-4685-be1f-d57550cc96cc">false</IntlLangReview>
-    <OutputCachingOn xmlns="4873beb7-5857-4685-be1f-d57550cc96cc">false</OutputCachingOn>
-    <AverageRating xmlns="4873beb7-5857-4685-be1f-d57550cc96cc" xsi:nil="true"/>
-    <APAuthor xmlns="4873beb7-5857-4685-be1f-d57550cc96cc">
-      <UserInfo>
-        <DisplayName>REDMOND\v-anij</DisplayName>
-        <AccountId>2469</AccountId>
-        <AccountType/>
-      </UserInfo>
-    </APAuthor>
-    <LocManualTestRequired xmlns="4873beb7-5857-4685-be1f-d57550cc96cc">false</LocManualTestRequired>
-    <TPCommandLine xmlns="4873beb7-5857-4685-be1f-d57550cc96cc" xsi:nil="true"/>
-    <TPAppVersion xmlns="4873beb7-5857-4685-be1f-d57550cc96cc" xsi:nil="true"/>
-    <EditorialStatus xmlns="4873beb7-5857-4685-be1f-d57550cc96cc">Complete</EditorialStatus>
-    <LastModifiedDateTime xmlns="4873beb7-5857-4685-be1f-d57550cc96cc" xsi:nil="true"/>
-    <ScenarioTagsTaxHTField0 xmlns="4873beb7-5857-4685-be1f-d57550cc96cc">
-      <Terms xmlns="http://schemas.microsoft.com/office/infopath/2007/PartnerControls"/>
-    </ScenarioTagsTaxHTField0>
-    <OriginalRelease xmlns="4873beb7-5857-4685-be1f-d57550cc96cc">15</OriginalRelease>
-    <TPLaunchHelpLinkType xmlns="4873beb7-5857-4685-be1f-d57550cc96cc">Template</TPLaunchHelpLinkType>
-    <LocalizationTagsTaxHTField0 xmlns="4873beb7-5857-4685-be1f-d57550cc96cc">
-      <Terms xmlns="http://schemas.microsoft.com/office/infopath/2007/PartnerControls"/>
-    </LocalizationTagsTaxHTField0>
-    <LocMarketGroupTiers2 xmlns="4873beb7-5857-4685-be1f-d57550cc96cc" xsi:nil="true"/>
-  </documentManagement>
-</p:properties>
-</file>
-
 <file path=customXml/item3.xml><?xml version="1.0" encoding="utf-8"?>
 <?mso-contentType ?>
 <FormTemplates xmlns="http://schemas.microsoft.com/sharepoint/v3/contenttype/forms">
@@ -20164,6 +19961,22 @@
 </file>
 
 <file path=customXml/itemProps1.xml><?xml version="1.0" encoding="utf-8"?>
+<ds:datastoreItem xmlns:ds="http://schemas.openxmlformats.org/officeDocument/2006/customXml" ds:itemID="{04098515-0C12-46CF-BC7C-69B4A13CD5FA}">
+  <ds:schemaRefs>
+    <ds:schemaRef ds:uri="4873beb7-5857-4685-be1f-d57550cc96cc"/>
+    <ds:schemaRef ds:uri="http://purl.org/dc/terms/"/>
+    <ds:schemaRef ds:uri="http://schemas.microsoft.com/office/2006/documentManagement/types"/>
+    <ds:schemaRef ds:uri="http://purl.org/dc/elements/1.1/"/>
+    <ds:schemaRef ds:uri="http://schemas.microsoft.com/office/2006/metadata/properties"/>
+    <ds:schemaRef ds:uri="http://schemas.microsoft.com/office/infopath/2007/PartnerControls"/>
+    <ds:schemaRef ds:uri="http://schemas.openxmlformats.org/package/2006/metadata/core-properties"/>
+    <ds:schemaRef ds:uri="http://www.w3.org/XML/1998/namespace"/>
+    <ds:schemaRef ds:uri="http://purl.org/dc/dcmitype/"/>
+  </ds:schemaRefs>
+</ds:datastoreItem>
+</file>
+
+<file path=customXml/itemProps2.xml><?xml version="1.0" encoding="utf-8"?>
 <ds:datastoreItem xmlns:ds="http://schemas.openxmlformats.org/officeDocument/2006/customXml" ds:itemID="{0B5C6E15-39DC-470B-9445-F754B9458020}">
   <ds:schemaRefs>
     <ds:schemaRef ds:uri="http://schemas.microsoft.com/office/2006/metadata/contentType"/>
@@ -20181,22 +19994,6 @@
 </ds:datastoreItem>
 </file>
 
-<file path=customXml/itemProps2.xml><?xml version="1.0" encoding="utf-8"?>
-<ds:datastoreItem xmlns:ds="http://schemas.openxmlformats.org/officeDocument/2006/customXml" ds:itemID="{04098515-0C12-46CF-BC7C-69B4A13CD5FA}">
-  <ds:schemaRefs>
-    <ds:schemaRef ds:uri="4873beb7-5857-4685-be1f-d57550cc96cc"/>
-    <ds:schemaRef ds:uri="http://purl.org/dc/terms/"/>
-    <ds:schemaRef ds:uri="http://schemas.microsoft.com/office/2006/documentManagement/types"/>
-    <ds:schemaRef ds:uri="http://purl.org/dc/elements/1.1/"/>
-    <ds:schemaRef ds:uri="http://schemas.microsoft.com/office/2006/metadata/properties"/>
-    <ds:schemaRef ds:uri="http://schemas.microsoft.com/office/infopath/2007/PartnerControls"/>
-    <ds:schemaRef ds:uri="http://schemas.openxmlformats.org/package/2006/metadata/core-properties"/>
-    <ds:schemaRef ds:uri="http://www.w3.org/XML/1998/namespace"/>
-    <ds:schemaRef ds:uri="http://purl.org/dc/dcmitype/"/>
-  </ds:schemaRefs>
-</ds:datastoreItem>
-</file>
-
 <file path=customXml/itemProps3.xml><?xml version="1.0" encoding="utf-8"?>
 <ds:datastoreItem xmlns:ds="http://schemas.openxmlformats.org/officeDocument/2006/customXml" ds:itemID="{746CFF6F-D9AA-4BC0-911A-0A1356771912}">
   <ds:schemaRefs>
